--- a/2021 01 tanggal 1 Jumat Pertama/Misa Jumat Pertama.pptx
+++ b/2021 01 tanggal 1 Jumat Pertama/Misa Jumat Pertama.pptx
@@ -5,7 +5,7 @@
     <p:sldMasterId id="2147483675" r:id="rId1"/>
   </p:sldMasterIdLst>
   <p:notesMasterIdLst>
-    <p:notesMasterId r:id="rId70"/>
+    <p:notesMasterId r:id="rId74"/>
   </p:notesMasterIdLst>
   <p:sldIdLst>
     <p:sldId id="256" r:id="rId2"/>
@@ -70,32 +70,36 @@
     <p:sldId id="362" r:id="rId61"/>
     <p:sldId id="363" r:id="rId62"/>
     <p:sldId id="364" r:id="rId63"/>
-    <p:sldId id="332" r:id="rId64"/>
-    <p:sldId id="333" r:id="rId65"/>
-    <p:sldId id="353" r:id="rId66"/>
-    <p:sldId id="354" r:id="rId67"/>
-    <p:sldId id="355" r:id="rId68"/>
-    <p:sldId id="356" r:id="rId69"/>
+    <p:sldId id="365" r:id="rId64"/>
+    <p:sldId id="366" r:id="rId65"/>
+    <p:sldId id="367" r:id="rId66"/>
+    <p:sldId id="368" r:id="rId67"/>
+    <p:sldId id="332" r:id="rId68"/>
+    <p:sldId id="333" r:id="rId69"/>
+    <p:sldId id="353" r:id="rId70"/>
+    <p:sldId id="354" r:id="rId71"/>
+    <p:sldId id="355" r:id="rId72"/>
+    <p:sldId id="356" r:id="rId73"/>
   </p:sldIdLst>
   <p:sldSz cx="9144000" cy="5143500" type="screen16x9"/>
   <p:notesSz cx="6858000" cy="9144000"/>
   <p:embeddedFontLst>
     <p:embeddedFont>
       <p:font typeface="Fredoka One" panose="020B0604020202020204" charset="0"/>
-      <p:regular r:id="rId71"/>
+      <p:regular r:id="rId75"/>
+    </p:embeddedFont>
+    <p:embeddedFont>
+      <p:font typeface="Holtwood One SC" panose="020B0604020202020204" charset="0"/>
+      <p:regular r:id="rId76"/>
+    </p:embeddedFont>
+    <p:embeddedFont>
+      <p:font typeface="Comfortaa" panose="020B0604020202020204" charset="0"/>
+      <p:regular r:id="rId77"/>
+      <p:bold r:id="rId78"/>
     </p:embeddedFont>
     <p:embeddedFont>
       <p:font typeface="Arial Black" panose="020B0A04020102020204" pitchFamily="34" charset="0"/>
-      <p:bold r:id="rId72"/>
-    </p:embeddedFont>
-    <p:embeddedFont>
-      <p:font typeface="Comfortaa" panose="020B0604020202020204" charset="0"/>
-      <p:regular r:id="rId73"/>
-      <p:bold r:id="rId74"/>
-    </p:embeddedFont>
-    <p:embeddedFont>
-      <p:font typeface="Holtwood One SC" panose="020B0604020202020204" charset="0"/>
-      <p:regular r:id="rId75"/>
+      <p:bold r:id="rId79"/>
     </p:embeddedFont>
   </p:embeddedFontLst>
   <p:defaultTextStyle>
@@ -444,6 +448,14 @@
             <p14:sldId id="364"/>
           </p14:sldIdLst>
         </p14:section>
+        <p14:section name="Pentakhtaan" id="{52C0A3E2-A193-4C67-A019-4CE37603E4E6}">
+          <p14:sldIdLst>
+            <p14:sldId id="365"/>
+            <p14:sldId id="366"/>
+            <p14:sldId id="367"/>
+            <p14:sldId id="368"/>
+          </p14:sldIdLst>
+        </p14:section>
         <p14:section name="Lagu Penutup" id="{A29E94CE-DBF3-4716-9FF7-96C4234AB8F9}">
           <p14:sldIdLst>
             <p14:sldId id="332"/>
@@ -7439,7 +7451,7 @@
     </p:spTree>
     <p:extLst>
       <p:ext uri="{BB962C8B-B14F-4D97-AF65-F5344CB8AC3E}">
-        <p14:creationId xmlns:p14="http://schemas.microsoft.com/office/powerpoint/2010/main" val="2129472696"/>
+        <p14:creationId xmlns:p14="http://schemas.microsoft.com/office/powerpoint/2010/main" val="2415989702"/>
       </p:ext>
     </p:extLst>
   </p:cSld>
@@ -7548,7 +7560,7 @@
     </p:spTree>
     <p:extLst>
       <p:ext uri="{BB962C8B-B14F-4D97-AF65-F5344CB8AC3E}">
-        <p14:creationId xmlns:p14="http://schemas.microsoft.com/office/powerpoint/2010/main" val="859143092"/>
+        <p14:creationId xmlns:p14="http://schemas.microsoft.com/office/powerpoint/2010/main" val="2893663604"/>
       </p:ext>
     </p:extLst>
   </p:cSld>
@@ -7657,7 +7669,7 @@
     </p:spTree>
     <p:extLst>
       <p:ext uri="{BB962C8B-B14F-4D97-AF65-F5344CB8AC3E}">
-        <p14:creationId xmlns:p14="http://schemas.microsoft.com/office/powerpoint/2010/main" val="1770624623"/>
+        <p14:creationId xmlns:p14="http://schemas.microsoft.com/office/powerpoint/2010/main" val="511185917"/>
       </p:ext>
     </p:extLst>
   </p:cSld>
@@ -7766,7 +7778,7 @@
     </p:spTree>
     <p:extLst>
       <p:ext uri="{BB962C8B-B14F-4D97-AF65-F5344CB8AC3E}">
-        <p14:creationId xmlns:p14="http://schemas.microsoft.com/office/powerpoint/2010/main" val="506553663"/>
+        <p14:creationId xmlns:p14="http://schemas.microsoft.com/office/powerpoint/2010/main" val="2904907952"/>
       </p:ext>
     </p:extLst>
   </p:cSld>
@@ -7875,7 +7887,7 @@
     </p:spTree>
     <p:extLst>
       <p:ext uri="{BB962C8B-B14F-4D97-AF65-F5344CB8AC3E}">
-        <p14:creationId xmlns:p14="http://schemas.microsoft.com/office/powerpoint/2010/main" val="3068784598"/>
+        <p14:creationId xmlns:p14="http://schemas.microsoft.com/office/powerpoint/2010/main" val="2129472696"/>
       </p:ext>
     </p:extLst>
   </p:cSld>
@@ -7984,7 +7996,116 @@
     </p:spTree>
     <p:extLst>
       <p:ext uri="{BB962C8B-B14F-4D97-AF65-F5344CB8AC3E}">
-        <p14:creationId xmlns:p14="http://schemas.microsoft.com/office/powerpoint/2010/main" val="342824152"/>
+        <p14:creationId xmlns:p14="http://schemas.microsoft.com/office/powerpoint/2010/main" val="859143092"/>
+      </p:ext>
+    </p:extLst>
+  </p:cSld>
+  <p:clrMapOvr>
+    <a:masterClrMapping/>
+  </p:clrMapOvr>
+</p:notes>
+</file>
+
+<file path=ppt/notesSlides/notesSlide69.xml><?xml version="1.0" encoding="utf-8"?>
+<p:notes xmlns:a="http://schemas.openxmlformats.org/drawingml/2006/main" xmlns:r="http://schemas.openxmlformats.org/officeDocument/2006/relationships" xmlns:p="http://schemas.openxmlformats.org/presentationml/2006/main" showMasterSp="0" showMasterPhAnim="0">
+  <p:cSld>
+    <p:spTree>
+      <p:nvGrpSpPr>
+        <p:cNvPr id="1" name="Shape 825"/>
+        <p:cNvGrpSpPr/>
+        <p:nvPr/>
+      </p:nvGrpSpPr>
+      <p:grpSpPr>
+        <a:xfrm>
+          <a:off x="0" y="0"/>
+          <a:ext cx="0" cy="0"/>
+          <a:chOff x="0" y="0"/>
+          <a:chExt cx="0" cy="0"/>
+        </a:xfrm>
+      </p:grpSpPr>
+      <p:sp>
+        <p:nvSpPr>
+          <p:cNvPr id="826" name="Google Shape;826;g8c30849765_0_813:notes"/>
+          <p:cNvSpPr>
+            <a:spLocks noGrp="1" noRot="1" noChangeAspect="1"/>
+          </p:cNvSpPr>
+          <p:nvPr>
+            <p:ph type="sldImg" idx="2"/>
+          </p:nvPr>
+        </p:nvSpPr>
+        <p:spPr>
+          <a:xfrm>
+            <a:off x="381000" y="685800"/>
+            <a:ext cx="6096000" cy="3429000"/>
+          </a:xfrm>
+          <a:custGeom>
+            <a:avLst/>
+            <a:gdLst/>
+            <a:ahLst/>
+            <a:cxnLst/>
+            <a:rect l="l" t="t" r="r" b="b"/>
+            <a:pathLst>
+              <a:path w="120000" h="120000" extrusionOk="0">
+                <a:moveTo>
+                  <a:pt x="0" y="0"/>
+                </a:moveTo>
+                <a:lnTo>
+                  <a:pt x="120000" y="0"/>
+                </a:lnTo>
+                <a:lnTo>
+                  <a:pt x="120000" y="120000"/>
+                </a:lnTo>
+                <a:lnTo>
+                  <a:pt x="0" y="120000"/>
+                </a:lnTo>
+                <a:close/>
+              </a:path>
+            </a:pathLst>
+          </a:custGeom>
+        </p:spPr>
+      </p:sp>
+      <p:sp>
+        <p:nvSpPr>
+          <p:cNvPr id="827" name="Google Shape;827;g8c30849765_0_813:notes"/>
+          <p:cNvSpPr txBox="1">
+            <a:spLocks noGrp="1"/>
+          </p:cNvSpPr>
+          <p:nvPr>
+            <p:ph type="body" idx="1"/>
+          </p:nvPr>
+        </p:nvSpPr>
+        <p:spPr>
+          <a:xfrm>
+            <a:off x="685800" y="4343400"/>
+            <a:ext cx="5486400" cy="4114800"/>
+          </a:xfrm>
+          <a:prstGeom prst="rect">
+            <a:avLst/>
+          </a:prstGeom>
+        </p:spPr>
+        <p:txBody>
+          <a:bodyPr spcFirstLastPara="1" wrap="square" lIns="91425" tIns="91425" rIns="91425" bIns="91425" anchor="t" anchorCtr="0">
+            <a:noAutofit/>
+          </a:bodyPr>
+          <a:lstStyle/>
+          <a:p>
+            <a:pPr marL="0" lvl="0" indent="0" algn="l" rtl="0">
+              <a:spcBef>
+                <a:spcPts val="0"/>
+              </a:spcBef>
+              <a:spcAft>
+                <a:spcPts val="0"/>
+              </a:spcAft>
+              <a:buNone/>
+            </a:pPr>
+            <a:endParaRPr/>
+          </a:p>
+        </p:txBody>
+      </p:sp>
+    </p:spTree>
+    <p:extLst>
+      <p:ext uri="{BB962C8B-B14F-4D97-AF65-F5344CB8AC3E}">
+        <p14:creationId xmlns:p14="http://schemas.microsoft.com/office/powerpoint/2010/main" val="1770624623"/>
       </p:ext>
     </p:extLst>
   </p:cSld>
@@ -8094,6 +8215,333 @@
     <p:extLst>
       <p:ext uri="{BB962C8B-B14F-4D97-AF65-F5344CB8AC3E}">
         <p14:creationId xmlns:p14="http://schemas.microsoft.com/office/powerpoint/2010/main" val="3273957406"/>
+      </p:ext>
+    </p:extLst>
+  </p:cSld>
+  <p:clrMapOvr>
+    <a:masterClrMapping/>
+  </p:clrMapOvr>
+</p:notes>
+</file>
+
+<file path=ppt/notesSlides/notesSlide70.xml><?xml version="1.0" encoding="utf-8"?>
+<p:notes xmlns:a="http://schemas.openxmlformats.org/drawingml/2006/main" xmlns:r="http://schemas.openxmlformats.org/officeDocument/2006/relationships" xmlns:p="http://schemas.openxmlformats.org/presentationml/2006/main" showMasterSp="0" showMasterPhAnim="0">
+  <p:cSld>
+    <p:spTree>
+      <p:nvGrpSpPr>
+        <p:cNvPr id="1" name="Shape 825"/>
+        <p:cNvGrpSpPr/>
+        <p:nvPr/>
+      </p:nvGrpSpPr>
+      <p:grpSpPr>
+        <a:xfrm>
+          <a:off x="0" y="0"/>
+          <a:ext cx="0" cy="0"/>
+          <a:chOff x="0" y="0"/>
+          <a:chExt cx="0" cy="0"/>
+        </a:xfrm>
+      </p:grpSpPr>
+      <p:sp>
+        <p:nvSpPr>
+          <p:cNvPr id="826" name="Google Shape;826;g8c30849765_0_813:notes"/>
+          <p:cNvSpPr>
+            <a:spLocks noGrp="1" noRot="1" noChangeAspect="1"/>
+          </p:cNvSpPr>
+          <p:nvPr>
+            <p:ph type="sldImg" idx="2"/>
+          </p:nvPr>
+        </p:nvSpPr>
+        <p:spPr>
+          <a:xfrm>
+            <a:off x="381000" y="685800"/>
+            <a:ext cx="6096000" cy="3429000"/>
+          </a:xfrm>
+          <a:custGeom>
+            <a:avLst/>
+            <a:gdLst/>
+            <a:ahLst/>
+            <a:cxnLst/>
+            <a:rect l="l" t="t" r="r" b="b"/>
+            <a:pathLst>
+              <a:path w="120000" h="120000" extrusionOk="0">
+                <a:moveTo>
+                  <a:pt x="0" y="0"/>
+                </a:moveTo>
+                <a:lnTo>
+                  <a:pt x="120000" y="0"/>
+                </a:lnTo>
+                <a:lnTo>
+                  <a:pt x="120000" y="120000"/>
+                </a:lnTo>
+                <a:lnTo>
+                  <a:pt x="0" y="120000"/>
+                </a:lnTo>
+                <a:close/>
+              </a:path>
+            </a:pathLst>
+          </a:custGeom>
+        </p:spPr>
+      </p:sp>
+      <p:sp>
+        <p:nvSpPr>
+          <p:cNvPr id="827" name="Google Shape;827;g8c30849765_0_813:notes"/>
+          <p:cNvSpPr txBox="1">
+            <a:spLocks noGrp="1"/>
+          </p:cNvSpPr>
+          <p:nvPr>
+            <p:ph type="body" idx="1"/>
+          </p:nvPr>
+        </p:nvSpPr>
+        <p:spPr>
+          <a:xfrm>
+            <a:off x="685800" y="4343400"/>
+            <a:ext cx="5486400" cy="4114800"/>
+          </a:xfrm>
+          <a:prstGeom prst="rect">
+            <a:avLst/>
+          </a:prstGeom>
+        </p:spPr>
+        <p:txBody>
+          <a:bodyPr spcFirstLastPara="1" wrap="square" lIns="91425" tIns="91425" rIns="91425" bIns="91425" anchor="t" anchorCtr="0">
+            <a:noAutofit/>
+          </a:bodyPr>
+          <a:lstStyle/>
+          <a:p>
+            <a:pPr marL="0" lvl="0" indent="0" algn="l" rtl="0">
+              <a:spcBef>
+                <a:spcPts val="0"/>
+              </a:spcBef>
+              <a:spcAft>
+                <a:spcPts val="0"/>
+              </a:spcAft>
+              <a:buNone/>
+            </a:pPr>
+            <a:endParaRPr/>
+          </a:p>
+        </p:txBody>
+      </p:sp>
+    </p:spTree>
+    <p:extLst>
+      <p:ext uri="{BB962C8B-B14F-4D97-AF65-F5344CB8AC3E}">
+        <p14:creationId xmlns:p14="http://schemas.microsoft.com/office/powerpoint/2010/main" val="506553663"/>
+      </p:ext>
+    </p:extLst>
+  </p:cSld>
+  <p:clrMapOvr>
+    <a:masterClrMapping/>
+  </p:clrMapOvr>
+</p:notes>
+</file>
+
+<file path=ppt/notesSlides/notesSlide71.xml><?xml version="1.0" encoding="utf-8"?>
+<p:notes xmlns:a="http://schemas.openxmlformats.org/drawingml/2006/main" xmlns:r="http://schemas.openxmlformats.org/officeDocument/2006/relationships" xmlns:p="http://schemas.openxmlformats.org/presentationml/2006/main" showMasterSp="0" showMasterPhAnim="0">
+  <p:cSld>
+    <p:spTree>
+      <p:nvGrpSpPr>
+        <p:cNvPr id="1" name="Shape 825"/>
+        <p:cNvGrpSpPr/>
+        <p:nvPr/>
+      </p:nvGrpSpPr>
+      <p:grpSpPr>
+        <a:xfrm>
+          <a:off x="0" y="0"/>
+          <a:ext cx="0" cy="0"/>
+          <a:chOff x="0" y="0"/>
+          <a:chExt cx="0" cy="0"/>
+        </a:xfrm>
+      </p:grpSpPr>
+      <p:sp>
+        <p:nvSpPr>
+          <p:cNvPr id="826" name="Google Shape;826;g8c30849765_0_813:notes"/>
+          <p:cNvSpPr>
+            <a:spLocks noGrp="1" noRot="1" noChangeAspect="1"/>
+          </p:cNvSpPr>
+          <p:nvPr>
+            <p:ph type="sldImg" idx="2"/>
+          </p:nvPr>
+        </p:nvSpPr>
+        <p:spPr>
+          <a:xfrm>
+            <a:off x="381000" y="685800"/>
+            <a:ext cx="6096000" cy="3429000"/>
+          </a:xfrm>
+          <a:custGeom>
+            <a:avLst/>
+            <a:gdLst/>
+            <a:ahLst/>
+            <a:cxnLst/>
+            <a:rect l="l" t="t" r="r" b="b"/>
+            <a:pathLst>
+              <a:path w="120000" h="120000" extrusionOk="0">
+                <a:moveTo>
+                  <a:pt x="0" y="0"/>
+                </a:moveTo>
+                <a:lnTo>
+                  <a:pt x="120000" y="0"/>
+                </a:lnTo>
+                <a:lnTo>
+                  <a:pt x="120000" y="120000"/>
+                </a:lnTo>
+                <a:lnTo>
+                  <a:pt x="0" y="120000"/>
+                </a:lnTo>
+                <a:close/>
+              </a:path>
+            </a:pathLst>
+          </a:custGeom>
+        </p:spPr>
+      </p:sp>
+      <p:sp>
+        <p:nvSpPr>
+          <p:cNvPr id="827" name="Google Shape;827;g8c30849765_0_813:notes"/>
+          <p:cNvSpPr txBox="1">
+            <a:spLocks noGrp="1"/>
+          </p:cNvSpPr>
+          <p:nvPr>
+            <p:ph type="body" idx="1"/>
+          </p:nvPr>
+        </p:nvSpPr>
+        <p:spPr>
+          <a:xfrm>
+            <a:off x="685800" y="4343400"/>
+            <a:ext cx="5486400" cy="4114800"/>
+          </a:xfrm>
+          <a:prstGeom prst="rect">
+            <a:avLst/>
+          </a:prstGeom>
+        </p:spPr>
+        <p:txBody>
+          <a:bodyPr spcFirstLastPara="1" wrap="square" lIns="91425" tIns="91425" rIns="91425" bIns="91425" anchor="t" anchorCtr="0">
+            <a:noAutofit/>
+          </a:bodyPr>
+          <a:lstStyle/>
+          <a:p>
+            <a:pPr marL="0" lvl="0" indent="0" algn="l" rtl="0">
+              <a:spcBef>
+                <a:spcPts val="0"/>
+              </a:spcBef>
+              <a:spcAft>
+                <a:spcPts val="0"/>
+              </a:spcAft>
+              <a:buNone/>
+            </a:pPr>
+            <a:endParaRPr/>
+          </a:p>
+        </p:txBody>
+      </p:sp>
+    </p:spTree>
+    <p:extLst>
+      <p:ext uri="{BB962C8B-B14F-4D97-AF65-F5344CB8AC3E}">
+        <p14:creationId xmlns:p14="http://schemas.microsoft.com/office/powerpoint/2010/main" val="3068784598"/>
+      </p:ext>
+    </p:extLst>
+  </p:cSld>
+  <p:clrMapOvr>
+    <a:masterClrMapping/>
+  </p:clrMapOvr>
+</p:notes>
+</file>
+
+<file path=ppt/notesSlides/notesSlide72.xml><?xml version="1.0" encoding="utf-8"?>
+<p:notes xmlns:a="http://schemas.openxmlformats.org/drawingml/2006/main" xmlns:r="http://schemas.openxmlformats.org/officeDocument/2006/relationships" xmlns:p="http://schemas.openxmlformats.org/presentationml/2006/main" showMasterSp="0" showMasterPhAnim="0">
+  <p:cSld>
+    <p:spTree>
+      <p:nvGrpSpPr>
+        <p:cNvPr id="1" name="Shape 825"/>
+        <p:cNvGrpSpPr/>
+        <p:nvPr/>
+      </p:nvGrpSpPr>
+      <p:grpSpPr>
+        <a:xfrm>
+          <a:off x="0" y="0"/>
+          <a:ext cx="0" cy="0"/>
+          <a:chOff x="0" y="0"/>
+          <a:chExt cx="0" cy="0"/>
+        </a:xfrm>
+      </p:grpSpPr>
+      <p:sp>
+        <p:nvSpPr>
+          <p:cNvPr id="826" name="Google Shape;826;g8c30849765_0_813:notes"/>
+          <p:cNvSpPr>
+            <a:spLocks noGrp="1" noRot="1" noChangeAspect="1"/>
+          </p:cNvSpPr>
+          <p:nvPr>
+            <p:ph type="sldImg" idx="2"/>
+          </p:nvPr>
+        </p:nvSpPr>
+        <p:spPr>
+          <a:xfrm>
+            <a:off x="381000" y="685800"/>
+            <a:ext cx="6096000" cy="3429000"/>
+          </a:xfrm>
+          <a:custGeom>
+            <a:avLst/>
+            <a:gdLst/>
+            <a:ahLst/>
+            <a:cxnLst/>
+            <a:rect l="l" t="t" r="r" b="b"/>
+            <a:pathLst>
+              <a:path w="120000" h="120000" extrusionOk="0">
+                <a:moveTo>
+                  <a:pt x="0" y="0"/>
+                </a:moveTo>
+                <a:lnTo>
+                  <a:pt x="120000" y="0"/>
+                </a:lnTo>
+                <a:lnTo>
+                  <a:pt x="120000" y="120000"/>
+                </a:lnTo>
+                <a:lnTo>
+                  <a:pt x="0" y="120000"/>
+                </a:lnTo>
+                <a:close/>
+              </a:path>
+            </a:pathLst>
+          </a:custGeom>
+        </p:spPr>
+      </p:sp>
+      <p:sp>
+        <p:nvSpPr>
+          <p:cNvPr id="827" name="Google Shape;827;g8c30849765_0_813:notes"/>
+          <p:cNvSpPr txBox="1">
+            <a:spLocks noGrp="1"/>
+          </p:cNvSpPr>
+          <p:nvPr>
+            <p:ph type="body" idx="1"/>
+          </p:nvPr>
+        </p:nvSpPr>
+        <p:spPr>
+          <a:xfrm>
+            <a:off x="685800" y="4343400"/>
+            <a:ext cx="5486400" cy="4114800"/>
+          </a:xfrm>
+          <a:prstGeom prst="rect">
+            <a:avLst/>
+          </a:prstGeom>
+        </p:spPr>
+        <p:txBody>
+          <a:bodyPr spcFirstLastPara="1" wrap="square" lIns="91425" tIns="91425" rIns="91425" bIns="91425" anchor="t" anchorCtr="0">
+            <a:noAutofit/>
+          </a:bodyPr>
+          <a:lstStyle/>
+          <a:p>
+            <a:pPr marL="0" lvl="0" indent="0" algn="l" rtl="0">
+              <a:spcBef>
+                <a:spcPts val="0"/>
+              </a:spcBef>
+              <a:spcAft>
+                <a:spcPts val="0"/>
+              </a:spcAft>
+              <a:buNone/>
+            </a:pPr>
+            <a:endParaRPr/>
+          </a:p>
+        </p:txBody>
+      </p:sp>
+    </p:spTree>
+    <p:extLst>
+      <p:ext uri="{BB962C8B-B14F-4D97-AF65-F5344CB8AC3E}">
+        <p14:creationId xmlns:p14="http://schemas.microsoft.com/office/powerpoint/2010/main" val="342824152"/>
       </p:ext>
     </p:extLst>
   </p:cSld>
@@ -38420,19 +38868,6 @@
               </a:rPr>
               <a:t>Datanglah menuju </a:t>
             </a:r>
-            <a:endParaRPr lang="sv-SE" sz="3600" dirty="0" smtClean="0">
-              <a:solidFill>
-                <a:schemeClr val="accent4"/>
-              </a:solidFill>
-              <a:latin typeface="Arial Black" panose="020B0A04020102020204" pitchFamily="34" charset="0"/>
-            </a:endParaRPr>
-          </a:p>
-          <a:p>
-            <a:pPr marL="152400" indent="0" algn="l">
-              <a:spcAft>
-                <a:spcPts val="1200"/>
-              </a:spcAft>
-            </a:pPr>
             <a:r>
               <a:rPr lang="sv-SE" sz="3600" dirty="0" smtClean="0">
                 <a:solidFill>
@@ -38442,23 +38877,21 @@
               </a:rPr>
               <a:t>gua </a:t>
             </a:r>
+          </a:p>
+          <a:p>
+            <a:pPr marL="152400" indent="0" algn="l">
+              <a:spcAft>
+                <a:spcPts val="1200"/>
+              </a:spcAft>
+            </a:pPr>
             <a:r>
-              <a:rPr lang="sv-SE" sz="3600" dirty="0">
+              <a:rPr lang="sv-SE" sz="3600" dirty="0" smtClean="0">
                 <a:solidFill>
                   <a:schemeClr val="accent4"/>
                 </a:solidFill>
                 <a:latin typeface="Arial Black" panose="020B0A04020102020204" pitchFamily="34" charset="0"/>
               </a:rPr>
-              <a:t>dan </a:t>
-            </a:r>
-            <a:r>
-              <a:rPr lang="sv-SE" sz="3600" dirty="0" smtClean="0">
-                <a:solidFill>
-                  <a:schemeClr val="accent4"/>
-                </a:solidFill>
-                <a:latin typeface="Arial Black" panose="020B0A04020102020204" pitchFamily="34" charset="0"/>
-              </a:rPr>
-              <a:t>menghadap Tuhanmu</a:t>
+              <a:t>dan menghadap Tuhanmu</a:t>
             </a:r>
             <a:r>
               <a:rPr lang="sv-SE" sz="3600" dirty="0">
@@ -44102,7 +44535,7 @@
                   <a:schemeClr val="accent4"/>
                 </a:solidFill>
               </a:rPr>
-              <a:t>Gita Surga Bergema </a:t>
+              <a:t>MARI KITA MEMADAHKAN</a:t>
             </a:r>
             <a:endParaRPr lang="en-US" sz="4000" dirty="0">
               <a:solidFill>
@@ -44397,7 +44830,7 @@
                 </a:solidFill>
                 <a:latin typeface="Arial Black" panose="020B0A04020102020204" pitchFamily="34" charset="0"/>
               </a:rPr>
-              <a:t>Gita surga bergema, </a:t>
+              <a:t>Sakramen yang sungguh agung, </a:t>
             </a:r>
             <a:endParaRPr lang="pt-BR" sz="3600" dirty="0" smtClean="0">
               <a:solidFill>
@@ -44419,7 +44852,7 @@
                 </a:solidFill>
                 <a:latin typeface="Arial Black" panose="020B0A04020102020204" pitchFamily="34" charset="0"/>
               </a:rPr>
-              <a:t>"</a:t>
+              <a:t>mari </a:t>
             </a:r>
             <a:r>
               <a:rPr lang="pt-BR" sz="3600" dirty="0">
@@ -44428,32 +44861,7 @@
                 </a:solidFill>
                 <a:latin typeface="Arial Black" panose="020B0A04020102020204" pitchFamily="34" charset="0"/>
               </a:rPr>
-              <a:t>Lahir Raja mulia!</a:t>
-            </a:r>
-          </a:p>
-          <a:p>
-            <a:pPr marL="152400" indent="0" algn="l">
-              <a:spcAft>
-                <a:spcPts val="1200"/>
-              </a:spcAft>
-            </a:pPr>
-            <a:r>
-              <a:rPr lang="pt-BR" sz="3600" dirty="0" smtClean="0">
-                <a:solidFill>
-                  <a:schemeClr val="accent4"/>
-                </a:solidFill>
-                <a:latin typeface="Arial Black" panose="020B0A04020102020204" pitchFamily="34" charset="0"/>
-              </a:rPr>
-              <a:t>Damai </a:t>
-            </a:r>
-            <a:r>
-              <a:rPr lang="pt-BR" sz="3600" dirty="0">
-                <a:solidFill>
-                  <a:schemeClr val="accent4"/>
-                </a:solidFill>
-                <a:latin typeface="Arial Black" panose="020B0A04020102020204" pitchFamily="34" charset="0"/>
-              </a:rPr>
-              <a:t>dan sejahtera </a:t>
+              <a:t>kita muliakan, </a:t>
             </a:r>
             <a:endParaRPr lang="pt-BR" sz="3600" dirty="0" smtClean="0">
               <a:solidFill>
@@ -44475,7 +44883,7 @@
                 </a:solidFill>
                 <a:latin typeface="Arial Black" panose="020B0A04020102020204" pitchFamily="34" charset="0"/>
               </a:rPr>
-              <a:t>turun </a:t>
+              <a:t>surut </a:t>
             </a:r>
             <a:r>
               <a:rPr lang="pt-BR" sz="3600" dirty="0">
@@ -44484,15 +44892,39 @@
                 </a:solidFill>
                 <a:latin typeface="Arial Black" panose="020B0A04020102020204" pitchFamily="34" charset="0"/>
               </a:rPr>
-              <a:t>dalam dunia."</a:t>
+              <a:t>sudah </a:t>
             </a:r>
+            <a:r>
+              <a:rPr lang="pt-BR" sz="3600" dirty="0" smtClean="0">
+                <a:solidFill>
+                  <a:schemeClr val="accent4"/>
+                </a:solidFill>
+                <a:latin typeface="Arial Black" panose="020B0A04020102020204" pitchFamily="34" charset="0"/>
+              </a:rPr>
+              <a:t>hukum lampau</a:t>
+            </a:r>
+            <a:r>
+              <a:rPr lang="pt-BR" sz="3600" dirty="0">
+                <a:solidFill>
+                  <a:schemeClr val="accent4"/>
+                </a:solidFill>
+                <a:latin typeface="Arial Black" panose="020B0A04020102020204" pitchFamily="34" charset="0"/>
+              </a:rPr>
+              <a:t>,</a:t>
+            </a:r>
+            <a:endParaRPr lang="pt-BR" sz="3600" dirty="0">
+              <a:solidFill>
+                <a:schemeClr val="accent4"/>
+              </a:solidFill>
+              <a:latin typeface="Arial Black" panose="020B0A04020102020204" pitchFamily="34" charset="0"/>
+            </a:endParaRPr>
           </a:p>
         </p:txBody>
       </p:sp>
     </p:spTree>
     <p:extLst>
       <p:ext uri="{BB962C8B-B14F-4D97-AF65-F5344CB8AC3E}">
-        <p14:creationId xmlns:p14="http://schemas.microsoft.com/office/powerpoint/2010/main" val="2717324518"/>
+        <p14:creationId xmlns:p14="http://schemas.microsoft.com/office/powerpoint/2010/main" val="373487741"/>
       </p:ext>
     </p:extLst>
   </p:cSld>
@@ -44536,8 +44968,8 @@
         </p:nvSpPr>
         <p:spPr>
           <a:xfrm>
-            <a:off x="414671" y="264083"/>
-            <a:ext cx="8612371" cy="3052179"/>
+            <a:off x="372140" y="1348602"/>
+            <a:ext cx="8314659" cy="3052179"/>
           </a:xfrm>
           <a:prstGeom prst="rect">
             <a:avLst/>
@@ -44805,15 +45237,15 @@
               </a:spcAft>
             </a:pPr>
             <a:r>
-              <a:rPr lang="sv-SE" sz="3600" dirty="0">
+              <a:rPr lang="pt-BR" sz="3600" dirty="0">
                 <a:solidFill>
                   <a:schemeClr val="accent4"/>
                 </a:solidFill>
                 <a:latin typeface="Arial Black" panose="020B0A04020102020204" pitchFamily="34" charset="0"/>
               </a:rPr>
-              <a:t>Bangsa-bangsa, bangkitlah </a:t>
+              <a:t>tata baru tampilllah. </a:t>
             </a:r>
-            <a:endParaRPr lang="sv-SE" sz="3600" dirty="0" smtClean="0">
+            <a:endParaRPr lang="pt-BR" sz="3600" dirty="0" smtClean="0">
               <a:solidFill>
                 <a:schemeClr val="accent4"/>
               </a:solidFill>
@@ -44827,108 +45259,24 @@
               </a:spcAft>
             </a:pPr>
             <a:r>
-              <a:rPr lang="sv-SE" sz="3600" dirty="0" smtClean="0">
+              <a:rPr lang="pt-BR" sz="3600" dirty="0" smtClean="0">
                 <a:solidFill>
                   <a:schemeClr val="accent4"/>
                 </a:solidFill>
                 <a:latin typeface="Arial Black" panose="020B0A04020102020204" pitchFamily="34" charset="0"/>
               </a:rPr>
-              <a:t>permaklumkan </a:t>
+              <a:t>Kar'na </a:t>
             </a:r>
             <a:r>
-              <a:rPr lang="sv-SE" sz="3600" dirty="0">
+              <a:rPr lang="pt-BR" sz="3600" dirty="0">
                 <a:solidFill>
                   <a:schemeClr val="accent4"/>
                 </a:solidFill>
                 <a:latin typeface="Arial Black" panose="020B0A04020102020204" pitchFamily="34" charset="0"/>
               </a:rPr>
-              <a:t>segera,</a:t>
+              <a:t>Ind'ra tidak mampu, </a:t>
             </a:r>
-          </a:p>
-          <a:p>
-            <a:pPr marL="152400" indent="0" algn="l">
-              <a:spcAft>
-                <a:spcPts val="1200"/>
-              </a:spcAft>
-            </a:pPr>
-            <a:r>
-              <a:rPr lang="sv-SE" sz="3600" dirty="0" smtClean="0">
-                <a:solidFill>
-                  <a:schemeClr val="accent4"/>
-                </a:solidFill>
-                <a:latin typeface="Arial Black" panose="020B0A04020102020204" pitchFamily="34" charset="0"/>
-              </a:rPr>
-              <a:t>Kabar </a:t>
-            </a:r>
-            <a:r>
-              <a:rPr lang="sv-SE" sz="3600" dirty="0">
-                <a:solidFill>
-                  <a:schemeClr val="accent4"/>
-                </a:solidFill>
-                <a:latin typeface="Arial Black" panose="020B0A04020102020204" pitchFamily="34" charset="0"/>
-              </a:rPr>
-              <a:t>baik </a:t>
-            </a:r>
-            <a:r>
-              <a:rPr lang="sv-SE" sz="3600" dirty="0" smtClean="0">
-                <a:solidFill>
-                  <a:schemeClr val="accent4"/>
-                </a:solidFill>
-                <a:latin typeface="Arial Black" panose="020B0A04020102020204" pitchFamily="34" charset="0"/>
-              </a:rPr>
-              <a:t>cemerlang</a:t>
-            </a:r>
-          </a:p>
-          <a:p>
-            <a:pPr marL="152400" indent="0" algn="l">
-              <a:spcAft>
-                <a:spcPts val="1200"/>
-              </a:spcAft>
-            </a:pPr>
-            <a:r>
-              <a:rPr lang="sv-SE" sz="3600" dirty="0" smtClean="0">
-                <a:solidFill>
-                  <a:schemeClr val="accent4"/>
-                </a:solidFill>
-                <a:latin typeface="Arial Black" panose="020B0A04020102020204" pitchFamily="34" charset="0"/>
-              </a:rPr>
-              <a:t>Lahir </a:t>
-            </a:r>
-            <a:r>
-              <a:rPr lang="sv-SE" sz="3600" dirty="0">
-                <a:solidFill>
-                  <a:schemeClr val="accent4"/>
-                </a:solidFill>
-                <a:latin typeface="Arial Black" panose="020B0A04020102020204" pitchFamily="34" charset="0"/>
-              </a:rPr>
-              <a:t>Kristus, Sang Terang!</a:t>
-            </a:r>
-          </a:p>
-          <a:p>
-            <a:pPr marL="152400" indent="0" algn="l">
-              <a:spcAft>
-                <a:spcPts val="1200"/>
-              </a:spcAft>
-            </a:pPr>
-            <a:r>
-              <a:rPr lang="sv-SE" sz="3600" dirty="0" smtClean="0">
-                <a:solidFill>
-                  <a:schemeClr val="accent4"/>
-                </a:solidFill>
-                <a:latin typeface="Arial Black" panose="020B0A04020102020204" pitchFamily="34" charset="0"/>
-              </a:rPr>
-              <a:t>Gita </a:t>
-            </a:r>
-            <a:r>
-              <a:rPr lang="sv-SE" sz="3600" dirty="0">
-                <a:solidFill>
-                  <a:schemeClr val="accent4"/>
-                </a:solidFill>
-                <a:latin typeface="Arial Black" panose="020B0A04020102020204" pitchFamily="34" charset="0"/>
-              </a:rPr>
-              <a:t>surga bergema, </a:t>
-            </a:r>
-            <a:endParaRPr lang="sv-SE" sz="3600" dirty="0" smtClean="0">
+            <a:endParaRPr lang="pt-BR" sz="3600" dirty="0" smtClean="0">
               <a:solidFill>
                 <a:schemeClr val="accent4"/>
               </a:solidFill>
@@ -44942,30 +45290,36 @@
               </a:spcAft>
             </a:pPr>
             <a:r>
-              <a:rPr lang="sv-SE" sz="3600" dirty="0" smtClean="0">
+              <a:rPr lang="pt-BR" sz="3600" dirty="0" smtClean="0">
                 <a:solidFill>
                   <a:schemeClr val="accent4"/>
                 </a:solidFill>
                 <a:latin typeface="Arial Black" panose="020B0A04020102020204" pitchFamily="34" charset="0"/>
               </a:rPr>
-              <a:t>"</a:t>
+              <a:t>iman </a:t>
             </a:r>
             <a:r>
-              <a:rPr lang="sv-SE" sz="3600" dirty="0">
+              <a:rPr lang="pt-BR" sz="3600" dirty="0">
                 <a:solidFill>
                   <a:schemeClr val="accent4"/>
                 </a:solidFill>
                 <a:latin typeface="Arial Black" panose="020B0A04020102020204" pitchFamily="34" charset="0"/>
               </a:rPr>
-              <a:t>Lahir Raja mulia !"</a:t>
+              <a:t>jadi tumpuan.</a:t>
             </a:r>
+            <a:endParaRPr lang="pt-BR" sz="3600" dirty="0">
+              <a:solidFill>
+                <a:schemeClr val="accent4"/>
+              </a:solidFill>
+              <a:latin typeface="Arial Black" panose="020B0A04020102020204" pitchFamily="34" charset="0"/>
+            </a:endParaRPr>
           </a:p>
         </p:txBody>
       </p:sp>
     </p:spTree>
     <p:extLst>
       <p:ext uri="{BB962C8B-B14F-4D97-AF65-F5344CB8AC3E}">
-        <p14:creationId xmlns:p14="http://schemas.microsoft.com/office/powerpoint/2010/main" val="770542484"/>
+        <p14:creationId xmlns:p14="http://schemas.microsoft.com/office/powerpoint/2010/main" val="1491093183"/>
       </p:ext>
     </p:extLst>
   </p:cSld>
@@ -45009,8 +45363,8 @@
         </p:nvSpPr>
         <p:spPr>
           <a:xfrm>
-            <a:off x="340243" y="774443"/>
-            <a:ext cx="8559208" cy="3052179"/>
+            <a:off x="372140" y="1348602"/>
+            <a:ext cx="8314659" cy="3052179"/>
           </a:xfrm>
           <a:prstGeom prst="rect">
             <a:avLst/>
@@ -45284,7 +45638,7 @@
                 </a:solidFill>
                 <a:latin typeface="Arial Black" panose="020B0A04020102020204" pitchFamily="34" charset="0"/>
               </a:rPr>
-              <a:t>Yang di surga disembah Kristus, </a:t>
+              <a:t>Yang Berputra dan Sang Putra </a:t>
             </a:r>
             <a:endParaRPr lang="pt-BR" sz="3600" dirty="0" smtClean="0">
               <a:solidFill>
@@ -45306,7 +45660,7 @@
                 </a:solidFill>
                 <a:latin typeface="Arial Black" panose="020B0A04020102020204" pitchFamily="34" charset="0"/>
               </a:rPr>
-              <a:t>Raja </a:t>
+              <a:t>dimuliakan</a:t>
             </a:r>
             <a:r>
               <a:rPr lang="pt-BR" sz="3600" dirty="0">
@@ -45315,32 +45669,7 @@
                 </a:solidFill>
                 <a:latin typeface="Arial Black" panose="020B0A04020102020204" pitchFamily="34" charset="0"/>
               </a:rPr>
-              <a:t>yang baka,</a:t>
-            </a:r>
-          </a:p>
-          <a:p>
-            <a:pPr marL="152400" indent="0" algn="l">
-              <a:spcAft>
-                <a:spcPts val="1200"/>
-              </a:spcAft>
-            </a:pPr>
-            <a:r>
-              <a:rPr lang="pt-BR" sz="3600" dirty="0" smtClean="0">
-                <a:solidFill>
-                  <a:schemeClr val="accent4"/>
-                </a:solidFill>
-                <a:latin typeface="Arial Black" panose="020B0A04020102020204" pitchFamily="34" charset="0"/>
-              </a:rPr>
-              <a:t>Lahir </a:t>
-            </a:r>
-            <a:r>
-              <a:rPr lang="pt-BR" sz="3600" dirty="0">
-                <a:solidFill>
-                  <a:schemeClr val="accent4"/>
-                </a:solidFill>
-                <a:latin typeface="Arial Black" panose="020B0A04020102020204" pitchFamily="34" charset="0"/>
-              </a:rPr>
-              <a:t>dalam dunia </a:t>
+              <a:t>, disembah, </a:t>
             </a:r>
             <a:endParaRPr lang="pt-BR" sz="3600" dirty="0" smtClean="0">
               <a:solidFill>
@@ -45362,7 +45691,7 @@
                 </a:solidFill>
                 <a:latin typeface="Arial Black" panose="020B0A04020102020204" pitchFamily="34" charset="0"/>
               </a:rPr>
-              <a:t>dan </a:t>
+              <a:t>dihormati</a:t>
             </a:r>
             <a:r>
               <a:rPr lang="pt-BR" sz="3600" dirty="0">
@@ -45371,15 +45700,21 @@
                 </a:solidFill>
                 <a:latin typeface="Arial Black" panose="020B0A04020102020204" pitchFamily="34" charset="0"/>
               </a:rPr>
-              <a:t>Maria bundaNya.</a:t>
+              <a:t>, dan dipuja</a:t>
             </a:r>
+            <a:endParaRPr lang="pt-BR" sz="3600" dirty="0">
+              <a:solidFill>
+                <a:schemeClr val="accent4"/>
+              </a:solidFill>
+              <a:latin typeface="Arial Black" panose="020B0A04020102020204" pitchFamily="34" charset="0"/>
+            </a:endParaRPr>
           </a:p>
         </p:txBody>
       </p:sp>
     </p:spTree>
     <p:extLst>
       <p:ext uri="{BB962C8B-B14F-4D97-AF65-F5344CB8AC3E}">
-        <p14:creationId xmlns:p14="http://schemas.microsoft.com/office/powerpoint/2010/main" val="1884011829"/>
+        <p14:creationId xmlns:p14="http://schemas.microsoft.com/office/powerpoint/2010/main" val="3175352782"/>
       </p:ext>
     </p:extLst>
   </p:cSld>
@@ -45423,8 +45758,8 @@
         </p:nvSpPr>
         <p:spPr>
           <a:xfrm>
-            <a:off x="414671" y="327877"/>
-            <a:ext cx="8612371" cy="3052179"/>
+            <a:off x="404038" y="987095"/>
+            <a:ext cx="8314659" cy="3052179"/>
           </a:xfrm>
           <a:prstGeom prst="rect">
             <a:avLst/>
@@ -45692,15 +46027,15 @@
               </a:spcAft>
             </a:pPr>
             <a:r>
-              <a:rPr lang="sv-SE" sz="3600" dirty="0">
+              <a:rPr lang="pt-BR" sz="3600" dirty="0">
                 <a:solidFill>
                   <a:schemeClr val="accent4"/>
                 </a:solidFill>
                 <a:latin typeface="Arial Black" panose="020B0A04020102020204" pitchFamily="34" charset="0"/>
               </a:rPr>
-              <a:t>Dalam daging dikenal Firman </a:t>
+              <a:t>beserta dengan Sang Roh: </a:t>
             </a:r>
-            <a:endParaRPr lang="sv-SE" sz="3600" dirty="0" smtClean="0">
+            <a:endParaRPr lang="pt-BR" sz="3600" dirty="0" smtClean="0">
               <a:solidFill>
                 <a:schemeClr val="accent4"/>
               </a:solidFill>
@@ -45714,67 +46049,24 @@
               </a:spcAft>
             </a:pPr>
             <a:r>
-              <a:rPr lang="sv-SE" sz="3600" dirty="0" smtClean="0">
+              <a:rPr lang="pt-BR" sz="3600" dirty="0" smtClean="0">
                 <a:solidFill>
                   <a:schemeClr val="accent4"/>
                 </a:solidFill>
                 <a:latin typeface="Arial Black" panose="020B0A04020102020204" pitchFamily="34" charset="0"/>
               </a:rPr>
-              <a:t>Allah </a:t>
+              <a:t>muncul </a:t>
             </a:r>
             <a:r>
-              <a:rPr lang="sv-SE" sz="3600" dirty="0">
+              <a:rPr lang="pt-BR" sz="3600" dirty="0">
                 <a:solidFill>
                   <a:schemeClr val="accent4"/>
                 </a:solidFill>
                 <a:latin typeface="Arial Black" panose="020B0A04020102020204" pitchFamily="34" charset="0"/>
               </a:rPr>
-              <a:t>yang </a:t>
+              <a:t>dari Kedua-Nya, </a:t>
             </a:r>
-            <a:r>
-              <a:rPr lang="sv-SE" sz="3600" dirty="0" smtClean="0">
-                <a:solidFill>
-                  <a:schemeClr val="accent4"/>
-                </a:solidFill>
-                <a:latin typeface="Arial Black" panose="020B0A04020102020204" pitchFamily="34" charset="0"/>
-              </a:rPr>
-              <a:t>kekal </a:t>
-            </a:r>
-          </a:p>
-          <a:p>
-            <a:pPr marL="152400" indent="0" algn="l">
-              <a:spcAft>
-                <a:spcPts val="1200"/>
-              </a:spcAft>
-            </a:pPr>
-            <a:r>
-              <a:rPr lang="sv-SE" sz="3600" dirty="0">
-                <a:solidFill>
-                  <a:schemeClr val="accent4"/>
-                </a:solidFill>
-                <a:latin typeface="Arial Black" panose="020B0A04020102020204" pitchFamily="34" charset="0"/>
-              </a:rPr>
-              <a:t>D</a:t>
-            </a:r>
-            <a:r>
-              <a:rPr lang="sv-SE" sz="3600" dirty="0" smtClean="0">
-                <a:solidFill>
-                  <a:schemeClr val="accent4"/>
-                </a:solidFill>
-                <a:latin typeface="Arial Black" panose="020B0A04020102020204" pitchFamily="34" charset="0"/>
-              </a:rPr>
-              <a:t>alam </a:t>
-            </a:r>
-            <a:r>
-              <a:rPr lang="sv-SE" sz="3600" dirty="0">
-                <a:solidFill>
-                  <a:schemeClr val="accent4"/>
-                </a:solidFill>
-                <a:latin typeface="Arial Black" panose="020B0A04020102020204" pitchFamily="34" charset="0"/>
-              </a:rPr>
-              <a:t>Anak yang kecil </a:t>
-            </a:r>
-            <a:endParaRPr lang="sv-SE" sz="3600" dirty="0" smtClean="0">
+            <a:endParaRPr lang="pt-BR" sz="3600" dirty="0" smtClean="0">
               <a:solidFill>
                 <a:schemeClr val="accent4"/>
               </a:solidFill>
@@ -45788,22 +46080,22 @@
               </a:spcAft>
             </a:pPr>
             <a:r>
-              <a:rPr lang="sv-SE" sz="3600" dirty="0" smtClean="0">
+              <a:rPr lang="pt-BR" sz="3600" dirty="0" smtClean="0">
                 <a:solidFill>
                   <a:schemeClr val="accent4"/>
                 </a:solidFill>
                 <a:latin typeface="Arial Black" panose="020B0A04020102020204" pitchFamily="34" charset="0"/>
               </a:rPr>
-              <a:t>nyatalah </a:t>
+              <a:t>dan </a:t>
             </a:r>
             <a:r>
-              <a:rPr lang="sv-SE" sz="3600" dirty="0">
+              <a:rPr lang="pt-BR" sz="3600" dirty="0">
                 <a:solidFill>
                   <a:schemeClr val="accent4"/>
                 </a:solidFill>
                 <a:latin typeface="Arial Black" panose="020B0A04020102020204" pitchFamily="34" charset="0"/>
               </a:rPr>
-              <a:t>Imanuel !</a:t>
+              <a:t>setara disembah.</a:t>
             </a:r>
           </a:p>
           <a:p>
@@ -45813,61 +46105,27 @@
               </a:spcAft>
             </a:pPr>
             <a:r>
-              <a:rPr lang="sv-SE" sz="3600" dirty="0" smtClean="0">
+              <a:rPr lang="pt-BR" sz="3600" dirty="0">
                 <a:solidFill>
                   <a:schemeClr val="accent4"/>
                 </a:solidFill>
                 <a:latin typeface="Arial Black" panose="020B0A04020102020204" pitchFamily="34" charset="0"/>
               </a:rPr>
-              <a:t>Gita </a:t>
+              <a:t>Amin.</a:t>
             </a:r>
-            <a:r>
-              <a:rPr lang="sv-SE" sz="3600" dirty="0">
-                <a:solidFill>
-                  <a:schemeClr val="accent4"/>
-                </a:solidFill>
-                <a:latin typeface="Arial Black" panose="020B0A04020102020204" pitchFamily="34" charset="0"/>
-              </a:rPr>
-              <a:t>surga bergema, </a:t>
-            </a:r>
-            <a:endParaRPr lang="sv-SE" sz="3600" dirty="0" smtClean="0">
+            <a:endParaRPr lang="pt-BR" sz="3600" dirty="0">
               <a:solidFill>
                 <a:schemeClr val="accent4"/>
               </a:solidFill>
               <a:latin typeface="Arial Black" panose="020B0A04020102020204" pitchFamily="34" charset="0"/>
             </a:endParaRPr>
           </a:p>
-          <a:p>
-            <a:pPr marL="152400" indent="0" algn="l">
-              <a:spcAft>
-                <a:spcPts val="1200"/>
-              </a:spcAft>
-            </a:pPr>
-            <a:r>
-              <a:rPr lang="sv-SE" sz="3600" dirty="0" smtClean="0">
-                <a:solidFill>
-                  <a:schemeClr val="accent4"/>
-                </a:solidFill>
-                <a:latin typeface="Arial Black" panose="020B0A04020102020204" pitchFamily="34" charset="0"/>
-              </a:rPr>
-              <a:t>"</a:t>
-            </a:r>
-            <a:r>
-              <a:rPr lang="sv-SE" sz="3600" dirty="0">
-                <a:solidFill>
-                  <a:schemeClr val="accent4"/>
-                </a:solidFill>
-                <a:latin typeface="Arial Black" panose="020B0A04020102020204" pitchFamily="34" charset="0"/>
-              </a:rPr>
-              <a:t>Lahir Raja mulia!"</a:t>
-            </a:r>
-          </a:p>
         </p:txBody>
       </p:sp>
     </p:spTree>
     <p:extLst>
       <p:ext uri="{BB962C8B-B14F-4D97-AF65-F5344CB8AC3E}">
-        <p14:creationId xmlns:p14="http://schemas.microsoft.com/office/powerpoint/2010/main" val="3686982243"/>
+        <p14:creationId xmlns:p14="http://schemas.microsoft.com/office/powerpoint/2010/main" val="603325870"/>
       </p:ext>
     </p:extLst>
   </p:cSld>
@@ -45885,6 +46143,1183 @@
 </file>
 
 <file path=ppt/slides/slide67.xml><?xml version="1.0" encoding="utf-8"?>
+<p:sld xmlns:a="http://schemas.openxmlformats.org/drawingml/2006/main" xmlns:r="http://schemas.openxmlformats.org/officeDocument/2006/relationships" xmlns:p="http://schemas.openxmlformats.org/presentationml/2006/main">
+  <p:cSld>
+    <p:spTree>
+      <p:nvGrpSpPr>
+        <p:cNvPr id="1" name="Shape 828"/>
+        <p:cNvGrpSpPr/>
+        <p:nvPr/>
+      </p:nvGrpSpPr>
+      <p:grpSpPr>
+        <a:xfrm>
+          <a:off x="0" y="0"/>
+          <a:ext cx="0" cy="0"/>
+          <a:chOff x="0" y="0"/>
+          <a:chExt cx="0" cy="0"/>
+        </a:xfrm>
+      </p:grpSpPr>
+      <p:sp>
+        <p:nvSpPr>
+          <p:cNvPr id="6" name="Google Shape;813;p37"/>
+          <p:cNvSpPr txBox="1">
+            <a:spLocks/>
+          </p:cNvSpPr>
+          <p:nvPr/>
+        </p:nvSpPr>
+        <p:spPr>
+          <a:xfrm>
+            <a:off x="778727" y="384763"/>
+            <a:ext cx="7612911" cy="502800"/>
+          </a:xfrm>
+          <a:prstGeom prst="rect">
+            <a:avLst/>
+          </a:prstGeom>
+          <a:noFill/>
+          <a:ln>
+            <a:noFill/>
+          </a:ln>
+        </p:spPr>
+        <p:txBody>
+          <a:bodyPr spcFirstLastPara="1" wrap="square" lIns="91425" tIns="91425" rIns="91425" bIns="91425" anchor="ctr" anchorCtr="0">
+            <a:noAutofit/>
+          </a:bodyPr>
+          <a:lstStyle>
+            <a:defPPr marR="0" lvl="0" algn="l" rtl="0">
+              <a:lnSpc>
+                <a:spcPct val="100000"/>
+              </a:lnSpc>
+              <a:spcBef>
+                <a:spcPts val="0"/>
+              </a:spcBef>
+              <a:spcAft>
+                <a:spcPts val="0"/>
+              </a:spcAft>
+            </a:defPPr>
+            <a:lvl1pPr marR="0" lvl="0" algn="l" rtl="0">
+              <a:lnSpc>
+                <a:spcPct val="100000"/>
+              </a:lnSpc>
+              <a:spcBef>
+                <a:spcPts val="0"/>
+              </a:spcBef>
+              <a:spcAft>
+                <a:spcPts val="0"/>
+              </a:spcAft>
+              <a:buClr>
+                <a:schemeClr val="dk2"/>
+              </a:buClr>
+              <a:buSzPts val="3500"/>
+              <a:buFont typeface="Fredoka One"/>
+              <a:buNone/>
+              <a:defRPr sz="3000" b="0" i="0" u="none" strike="noStrike" cap="none">
+                <a:solidFill>
+                  <a:schemeClr val="accent1"/>
+                </a:solidFill>
+                <a:latin typeface="Fredoka One"/>
+                <a:ea typeface="Fredoka One"/>
+                <a:cs typeface="Fredoka One"/>
+                <a:sym typeface="Fredoka One"/>
+              </a:defRPr>
+            </a:lvl1pPr>
+            <a:lvl2pPr marR="0" lvl="1" algn="l" rtl="0">
+              <a:lnSpc>
+                <a:spcPct val="100000"/>
+              </a:lnSpc>
+              <a:spcBef>
+                <a:spcPts val="0"/>
+              </a:spcBef>
+              <a:spcAft>
+                <a:spcPts val="0"/>
+              </a:spcAft>
+              <a:buClr>
+                <a:schemeClr val="dk1"/>
+              </a:buClr>
+              <a:buSzPts val="2800"/>
+              <a:buFont typeface="Arial"/>
+              <a:buNone/>
+              <a:defRPr sz="2800" b="0" i="0" u="none" strike="noStrike" cap="none">
+                <a:solidFill>
+                  <a:schemeClr val="dk1"/>
+                </a:solidFill>
+                <a:latin typeface="Comfortaa"/>
+                <a:ea typeface="Comfortaa"/>
+                <a:cs typeface="Comfortaa"/>
+                <a:sym typeface="Comfortaa"/>
+              </a:defRPr>
+            </a:lvl2pPr>
+            <a:lvl3pPr marR="0" lvl="2" algn="l" rtl="0">
+              <a:lnSpc>
+                <a:spcPct val="100000"/>
+              </a:lnSpc>
+              <a:spcBef>
+                <a:spcPts val="0"/>
+              </a:spcBef>
+              <a:spcAft>
+                <a:spcPts val="0"/>
+              </a:spcAft>
+              <a:buClr>
+                <a:schemeClr val="dk1"/>
+              </a:buClr>
+              <a:buSzPts val="2800"/>
+              <a:buFont typeface="Arial"/>
+              <a:buNone/>
+              <a:defRPr sz="2800" b="0" i="0" u="none" strike="noStrike" cap="none">
+                <a:solidFill>
+                  <a:schemeClr val="dk1"/>
+                </a:solidFill>
+                <a:latin typeface="Comfortaa"/>
+                <a:ea typeface="Comfortaa"/>
+                <a:cs typeface="Comfortaa"/>
+                <a:sym typeface="Comfortaa"/>
+              </a:defRPr>
+            </a:lvl3pPr>
+            <a:lvl4pPr marR="0" lvl="3" algn="l" rtl="0">
+              <a:lnSpc>
+                <a:spcPct val="100000"/>
+              </a:lnSpc>
+              <a:spcBef>
+                <a:spcPts val="0"/>
+              </a:spcBef>
+              <a:spcAft>
+                <a:spcPts val="0"/>
+              </a:spcAft>
+              <a:buClr>
+                <a:schemeClr val="dk1"/>
+              </a:buClr>
+              <a:buSzPts val="2800"/>
+              <a:buFont typeface="Arial"/>
+              <a:buNone/>
+              <a:defRPr sz="2800" b="0" i="0" u="none" strike="noStrike" cap="none">
+                <a:solidFill>
+                  <a:schemeClr val="dk1"/>
+                </a:solidFill>
+                <a:latin typeface="Comfortaa"/>
+                <a:ea typeface="Comfortaa"/>
+                <a:cs typeface="Comfortaa"/>
+                <a:sym typeface="Comfortaa"/>
+              </a:defRPr>
+            </a:lvl4pPr>
+            <a:lvl5pPr marR="0" lvl="4" algn="l" rtl="0">
+              <a:lnSpc>
+                <a:spcPct val="100000"/>
+              </a:lnSpc>
+              <a:spcBef>
+                <a:spcPts val="0"/>
+              </a:spcBef>
+              <a:spcAft>
+                <a:spcPts val="0"/>
+              </a:spcAft>
+              <a:buClr>
+                <a:schemeClr val="dk1"/>
+              </a:buClr>
+              <a:buSzPts val="2800"/>
+              <a:buFont typeface="Arial"/>
+              <a:buNone/>
+              <a:defRPr sz="2800" b="0" i="0" u="none" strike="noStrike" cap="none">
+                <a:solidFill>
+                  <a:schemeClr val="dk1"/>
+                </a:solidFill>
+                <a:latin typeface="Comfortaa"/>
+                <a:ea typeface="Comfortaa"/>
+                <a:cs typeface="Comfortaa"/>
+                <a:sym typeface="Comfortaa"/>
+              </a:defRPr>
+            </a:lvl5pPr>
+            <a:lvl6pPr marR="0" lvl="5" algn="l" rtl="0">
+              <a:lnSpc>
+                <a:spcPct val="100000"/>
+              </a:lnSpc>
+              <a:spcBef>
+                <a:spcPts val="0"/>
+              </a:spcBef>
+              <a:spcAft>
+                <a:spcPts val="0"/>
+              </a:spcAft>
+              <a:buClr>
+                <a:schemeClr val="dk1"/>
+              </a:buClr>
+              <a:buSzPts val="2800"/>
+              <a:buFont typeface="Arial"/>
+              <a:buNone/>
+              <a:defRPr sz="2800" b="0" i="0" u="none" strike="noStrike" cap="none">
+                <a:solidFill>
+                  <a:schemeClr val="dk1"/>
+                </a:solidFill>
+                <a:latin typeface="Comfortaa"/>
+                <a:ea typeface="Comfortaa"/>
+                <a:cs typeface="Comfortaa"/>
+                <a:sym typeface="Comfortaa"/>
+              </a:defRPr>
+            </a:lvl6pPr>
+            <a:lvl7pPr marR="0" lvl="6" algn="l" rtl="0">
+              <a:lnSpc>
+                <a:spcPct val="100000"/>
+              </a:lnSpc>
+              <a:spcBef>
+                <a:spcPts val="0"/>
+              </a:spcBef>
+              <a:spcAft>
+                <a:spcPts val="0"/>
+              </a:spcAft>
+              <a:buClr>
+                <a:schemeClr val="dk1"/>
+              </a:buClr>
+              <a:buSzPts val="2800"/>
+              <a:buFont typeface="Arial"/>
+              <a:buNone/>
+              <a:defRPr sz="2800" b="0" i="0" u="none" strike="noStrike" cap="none">
+                <a:solidFill>
+                  <a:schemeClr val="dk1"/>
+                </a:solidFill>
+                <a:latin typeface="Comfortaa"/>
+                <a:ea typeface="Comfortaa"/>
+                <a:cs typeface="Comfortaa"/>
+                <a:sym typeface="Comfortaa"/>
+              </a:defRPr>
+            </a:lvl7pPr>
+            <a:lvl8pPr marR="0" lvl="7" algn="l" rtl="0">
+              <a:lnSpc>
+                <a:spcPct val="100000"/>
+              </a:lnSpc>
+              <a:spcBef>
+                <a:spcPts val="0"/>
+              </a:spcBef>
+              <a:spcAft>
+                <a:spcPts val="0"/>
+              </a:spcAft>
+              <a:buClr>
+                <a:schemeClr val="dk1"/>
+              </a:buClr>
+              <a:buSzPts val="2800"/>
+              <a:buFont typeface="Arial"/>
+              <a:buNone/>
+              <a:defRPr sz="2800" b="0" i="0" u="none" strike="noStrike" cap="none">
+                <a:solidFill>
+                  <a:schemeClr val="dk1"/>
+                </a:solidFill>
+                <a:latin typeface="Comfortaa"/>
+                <a:ea typeface="Comfortaa"/>
+                <a:cs typeface="Comfortaa"/>
+                <a:sym typeface="Comfortaa"/>
+              </a:defRPr>
+            </a:lvl8pPr>
+            <a:lvl9pPr marR="0" lvl="8" algn="l" rtl="0">
+              <a:lnSpc>
+                <a:spcPct val="100000"/>
+              </a:lnSpc>
+              <a:spcBef>
+                <a:spcPts val="0"/>
+              </a:spcBef>
+              <a:spcAft>
+                <a:spcPts val="0"/>
+              </a:spcAft>
+              <a:buClr>
+                <a:schemeClr val="dk1"/>
+              </a:buClr>
+              <a:buSzPts val="2800"/>
+              <a:buFont typeface="Arial"/>
+              <a:buNone/>
+              <a:defRPr sz="2800" b="0" i="0" u="none" strike="noStrike" cap="none">
+                <a:solidFill>
+                  <a:schemeClr val="dk1"/>
+                </a:solidFill>
+                <a:latin typeface="Comfortaa"/>
+                <a:ea typeface="Comfortaa"/>
+                <a:cs typeface="Comfortaa"/>
+                <a:sym typeface="Comfortaa"/>
+              </a:defRPr>
+            </a:lvl9pPr>
+          </a:lstStyle>
+          <a:p>
+            <a:pPr algn="ctr"/>
+            <a:r>
+              <a:rPr lang="en-US" sz="4000">
+                <a:solidFill>
+                  <a:schemeClr val="accent4"/>
+                </a:solidFill>
+              </a:rPr>
+              <a:t>Gita Surga Bergema </a:t>
+            </a:r>
+            <a:endParaRPr lang="en-US" sz="4000" dirty="0">
+              <a:solidFill>
+                <a:schemeClr val="accent4"/>
+              </a:solidFill>
+            </a:endParaRPr>
+          </a:p>
+        </p:txBody>
+      </p:sp>
+      <p:sp>
+        <p:nvSpPr>
+          <p:cNvPr id="7" name="Text Placeholder 1"/>
+          <p:cNvSpPr txBox="1">
+            <a:spLocks/>
+          </p:cNvSpPr>
+          <p:nvPr/>
+        </p:nvSpPr>
+        <p:spPr>
+          <a:xfrm>
+            <a:off x="372140" y="1348602"/>
+            <a:ext cx="8314659" cy="3052179"/>
+          </a:xfrm>
+          <a:prstGeom prst="rect">
+            <a:avLst/>
+          </a:prstGeom>
+          <a:noFill/>
+          <a:ln>
+            <a:noFill/>
+          </a:ln>
+        </p:spPr>
+        <p:txBody>
+          <a:bodyPr spcFirstLastPara="1" wrap="square" lIns="91425" tIns="91425" rIns="91425" bIns="91425" anchor="t" anchorCtr="0">
+            <a:noAutofit/>
+          </a:bodyPr>
+          <a:lstStyle>
+            <a:defPPr marR="0" lvl="0" algn="l" rtl="0">
+              <a:lnSpc>
+                <a:spcPct val="100000"/>
+              </a:lnSpc>
+              <a:spcBef>
+                <a:spcPts val="0"/>
+              </a:spcBef>
+              <a:spcAft>
+                <a:spcPts val="0"/>
+              </a:spcAft>
+            </a:defPPr>
+            <a:lvl1pPr marL="457200" marR="0" lvl="0" indent="-323850" algn="ctr" rtl="0">
+              <a:lnSpc>
+                <a:spcPct val="115000"/>
+              </a:lnSpc>
+              <a:spcBef>
+                <a:spcPts val="0"/>
+              </a:spcBef>
+              <a:spcAft>
+                <a:spcPts val="0"/>
+              </a:spcAft>
+              <a:buClr>
+                <a:srgbClr val="FBFBFB"/>
+              </a:buClr>
+              <a:buSzPts val="2000"/>
+              <a:buFont typeface="Holtwood One SC"/>
+              <a:buNone/>
+              <a:defRPr sz="2200" b="0" i="0" u="none" strike="noStrike" cap="none">
+                <a:solidFill>
+                  <a:schemeClr val="dk2"/>
+                </a:solidFill>
+                <a:latin typeface="Fredoka One"/>
+                <a:ea typeface="Fredoka One"/>
+                <a:cs typeface="Fredoka One"/>
+                <a:sym typeface="Fredoka One"/>
+              </a:defRPr>
+            </a:lvl1pPr>
+            <a:lvl2pPr marL="914400" marR="0" lvl="1" indent="-323850" algn="l" rtl="0">
+              <a:lnSpc>
+                <a:spcPct val="115000"/>
+              </a:lnSpc>
+              <a:spcBef>
+                <a:spcPts val="1600"/>
+              </a:spcBef>
+              <a:spcAft>
+                <a:spcPts val="0"/>
+              </a:spcAft>
+              <a:buClr>
+                <a:srgbClr val="FBFBFB"/>
+              </a:buClr>
+              <a:buSzPts val="2000"/>
+              <a:buFont typeface="Holtwood One SC"/>
+              <a:buNone/>
+              <a:defRPr sz="2000" b="0" i="0" u="none" strike="noStrike" cap="none">
+                <a:solidFill>
+                  <a:srgbClr val="FBFBFB"/>
+                </a:solidFill>
+                <a:latin typeface="Holtwood One SC"/>
+                <a:ea typeface="Holtwood One SC"/>
+                <a:cs typeface="Holtwood One SC"/>
+                <a:sym typeface="Holtwood One SC"/>
+              </a:defRPr>
+            </a:lvl2pPr>
+            <a:lvl3pPr marL="1371600" marR="0" lvl="2" indent="-323850" algn="l" rtl="0">
+              <a:lnSpc>
+                <a:spcPct val="115000"/>
+              </a:lnSpc>
+              <a:spcBef>
+                <a:spcPts val="1600"/>
+              </a:spcBef>
+              <a:spcAft>
+                <a:spcPts val="0"/>
+              </a:spcAft>
+              <a:buClr>
+                <a:srgbClr val="FBFBFB"/>
+              </a:buClr>
+              <a:buSzPts val="2000"/>
+              <a:buFont typeface="Holtwood One SC"/>
+              <a:buNone/>
+              <a:defRPr sz="2000" b="0" i="0" u="none" strike="noStrike" cap="none">
+                <a:solidFill>
+                  <a:srgbClr val="FBFBFB"/>
+                </a:solidFill>
+                <a:latin typeface="Holtwood One SC"/>
+                <a:ea typeface="Holtwood One SC"/>
+                <a:cs typeface="Holtwood One SC"/>
+                <a:sym typeface="Holtwood One SC"/>
+              </a:defRPr>
+            </a:lvl3pPr>
+            <a:lvl4pPr marL="1828800" marR="0" lvl="3" indent="-323850" algn="l" rtl="0">
+              <a:lnSpc>
+                <a:spcPct val="115000"/>
+              </a:lnSpc>
+              <a:spcBef>
+                <a:spcPts val="1600"/>
+              </a:spcBef>
+              <a:spcAft>
+                <a:spcPts val="0"/>
+              </a:spcAft>
+              <a:buClr>
+                <a:srgbClr val="FBFBFB"/>
+              </a:buClr>
+              <a:buSzPts val="2000"/>
+              <a:buFont typeface="Holtwood One SC"/>
+              <a:buNone/>
+              <a:defRPr sz="2000" b="0" i="0" u="none" strike="noStrike" cap="none">
+                <a:solidFill>
+                  <a:srgbClr val="FBFBFB"/>
+                </a:solidFill>
+                <a:latin typeface="Holtwood One SC"/>
+                <a:ea typeface="Holtwood One SC"/>
+                <a:cs typeface="Holtwood One SC"/>
+                <a:sym typeface="Holtwood One SC"/>
+              </a:defRPr>
+            </a:lvl4pPr>
+            <a:lvl5pPr marL="2286000" marR="0" lvl="4" indent="-323850" algn="l" rtl="0">
+              <a:lnSpc>
+                <a:spcPct val="115000"/>
+              </a:lnSpc>
+              <a:spcBef>
+                <a:spcPts val="1600"/>
+              </a:spcBef>
+              <a:spcAft>
+                <a:spcPts val="0"/>
+              </a:spcAft>
+              <a:buClr>
+                <a:srgbClr val="FBFBFB"/>
+              </a:buClr>
+              <a:buSzPts val="2000"/>
+              <a:buFont typeface="Holtwood One SC"/>
+              <a:buNone/>
+              <a:defRPr sz="2000" b="0" i="0" u="none" strike="noStrike" cap="none">
+                <a:solidFill>
+                  <a:srgbClr val="FBFBFB"/>
+                </a:solidFill>
+                <a:latin typeface="Holtwood One SC"/>
+                <a:ea typeface="Holtwood One SC"/>
+                <a:cs typeface="Holtwood One SC"/>
+                <a:sym typeface="Holtwood One SC"/>
+              </a:defRPr>
+            </a:lvl5pPr>
+            <a:lvl6pPr marL="2743200" marR="0" lvl="5" indent="-323850" algn="l" rtl="0">
+              <a:lnSpc>
+                <a:spcPct val="115000"/>
+              </a:lnSpc>
+              <a:spcBef>
+                <a:spcPts val="1600"/>
+              </a:spcBef>
+              <a:spcAft>
+                <a:spcPts val="0"/>
+              </a:spcAft>
+              <a:buClr>
+                <a:srgbClr val="FBFBFB"/>
+              </a:buClr>
+              <a:buSzPts val="2000"/>
+              <a:buFont typeface="Holtwood One SC"/>
+              <a:buNone/>
+              <a:defRPr sz="2000" b="0" i="0" u="none" strike="noStrike" cap="none">
+                <a:solidFill>
+                  <a:srgbClr val="FBFBFB"/>
+                </a:solidFill>
+                <a:latin typeface="Holtwood One SC"/>
+                <a:ea typeface="Holtwood One SC"/>
+                <a:cs typeface="Holtwood One SC"/>
+                <a:sym typeface="Holtwood One SC"/>
+              </a:defRPr>
+            </a:lvl6pPr>
+            <a:lvl7pPr marL="3200400" marR="0" lvl="6" indent="-317500" algn="l" rtl="0">
+              <a:lnSpc>
+                <a:spcPct val="115000"/>
+              </a:lnSpc>
+              <a:spcBef>
+                <a:spcPts val="1600"/>
+              </a:spcBef>
+              <a:spcAft>
+                <a:spcPts val="0"/>
+              </a:spcAft>
+              <a:buClr>
+                <a:srgbClr val="FBFBFB"/>
+              </a:buClr>
+              <a:buSzPts val="2000"/>
+              <a:buFont typeface="Holtwood One SC"/>
+              <a:buNone/>
+              <a:defRPr sz="2000" b="0" i="0" u="none" strike="noStrike" cap="none">
+                <a:solidFill>
+                  <a:srgbClr val="FBFBFB"/>
+                </a:solidFill>
+                <a:latin typeface="Holtwood One SC"/>
+                <a:ea typeface="Holtwood One SC"/>
+                <a:cs typeface="Holtwood One SC"/>
+                <a:sym typeface="Holtwood One SC"/>
+              </a:defRPr>
+            </a:lvl7pPr>
+            <a:lvl8pPr marL="3657600" marR="0" lvl="7" indent="-317500" algn="l" rtl="0">
+              <a:lnSpc>
+                <a:spcPct val="115000"/>
+              </a:lnSpc>
+              <a:spcBef>
+                <a:spcPts val="1600"/>
+              </a:spcBef>
+              <a:spcAft>
+                <a:spcPts val="0"/>
+              </a:spcAft>
+              <a:buClr>
+                <a:schemeClr val="dk2"/>
+              </a:buClr>
+              <a:buSzPts val="2000"/>
+              <a:buFont typeface="Holtwood One SC"/>
+              <a:buNone/>
+              <a:defRPr sz="2000" b="0" i="0" u="none" strike="noStrike" cap="none">
+                <a:solidFill>
+                  <a:schemeClr val="dk2"/>
+                </a:solidFill>
+                <a:latin typeface="Holtwood One SC"/>
+                <a:ea typeface="Holtwood One SC"/>
+                <a:cs typeface="Holtwood One SC"/>
+                <a:sym typeface="Holtwood One SC"/>
+              </a:defRPr>
+            </a:lvl8pPr>
+            <a:lvl9pPr marL="4114800" marR="0" lvl="8" indent="-317500" algn="l" rtl="0">
+              <a:lnSpc>
+                <a:spcPct val="115000"/>
+              </a:lnSpc>
+              <a:spcBef>
+                <a:spcPts val="1600"/>
+              </a:spcBef>
+              <a:spcAft>
+                <a:spcPts val="1600"/>
+              </a:spcAft>
+              <a:buClr>
+                <a:schemeClr val="dk2"/>
+              </a:buClr>
+              <a:buSzPts val="2000"/>
+              <a:buFont typeface="Holtwood One SC"/>
+              <a:buNone/>
+              <a:defRPr sz="2000" b="0" i="0" u="none" strike="noStrike" cap="none">
+                <a:solidFill>
+                  <a:schemeClr val="dk2"/>
+                </a:solidFill>
+                <a:latin typeface="Holtwood One SC"/>
+                <a:ea typeface="Holtwood One SC"/>
+                <a:cs typeface="Holtwood One SC"/>
+                <a:sym typeface="Holtwood One SC"/>
+              </a:defRPr>
+            </a:lvl9pPr>
+          </a:lstStyle>
+          <a:p>
+            <a:pPr marL="152400" indent="0" algn="l">
+              <a:spcAft>
+                <a:spcPts val="1200"/>
+              </a:spcAft>
+            </a:pPr>
+            <a:r>
+              <a:rPr lang="pt-BR" sz="3600" dirty="0">
+                <a:solidFill>
+                  <a:schemeClr val="accent4"/>
+                </a:solidFill>
+                <a:latin typeface="Arial Black" panose="020B0A04020102020204" pitchFamily="34" charset="0"/>
+              </a:rPr>
+              <a:t>Gita surga bergema, </a:t>
+            </a:r>
+            <a:endParaRPr lang="pt-BR" sz="3600" dirty="0" smtClean="0">
+              <a:solidFill>
+                <a:schemeClr val="accent4"/>
+              </a:solidFill>
+              <a:latin typeface="Arial Black" panose="020B0A04020102020204" pitchFamily="34" charset="0"/>
+            </a:endParaRPr>
+          </a:p>
+          <a:p>
+            <a:pPr marL="152400" indent="0" algn="l">
+              <a:spcAft>
+                <a:spcPts val="1200"/>
+              </a:spcAft>
+            </a:pPr>
+            <a:r>
+              <a:rPr lang="pt-BR" sz="3600" dirty="0" smtClean="0">
+                <a:solidFill>
+                  <a:schemeClr val="accent4"/>
+                </a:solidFill>
+                <a:latin typeface="Arial Black" panose="020B0A04020102020204" pitchFamily="34" charset="0"/>
+              </a:rPr>
+              <a:t>"</a:t>
+            </a:r>
+            <a:r>
+              <a:rPr lang="pt-BR" sz="3600" dirty="0">
+                <a:solidFill>
+                  <a:schemeClr val="accent4"/>
+                </a:solidFill>
+                <a:latin typeface="Arial Black" panose="020B0A04020102020204" pitchFamily="34" charset="0"/>
+              </a:rPr>
+              <a:t>Lahir Raja mulia!</a:t>
+            </a:r>
+          </a:p>
+          <a:p>
+            <a:pPr marL="152400" indent="0" algn="l">
+              <a:spcAft>
+                <a:spcPts val="1200"/>
+              </a:spcAft>
+            </a:pPr>
+            <a:r>
+              <a:rPr lang="pt-BR" sz="3600" dirty="0" smtClean="0">
+                <a:solidFill>
+                  <a:schemeClr val="accent4"/>
+                </a:solidFill>
+                <a:latin typeface="Arial Black" panose="020B0A04020102020204" pitchFamily="34" charset="0"/>
+              </a:rPr>
+              <a:t>Damai </a:t>
+            </a:r>
+            <a:r>
+              <a:rPr lang="pt-BR" sz="3600" dirty="0">
+                <a:solidFill>
+                  <a:schemeClr val="accent4"/>
+                </a:solidFill>
+                <a:latin typeface="Arial Black" panose="020B0A04020102020204" pitchFamily="34" charset="0"/>
+              </a:rPr>
+              <a:t>dan sejahtera </a:t>
+            </a:r>
+            <a:endParaRPr lang="pt-BR" sz="3600" dirty="0" smtClean="0">
+              <a:solidFill>
+                <a:schemeClr val="accent4"/>
+              </a:solidFill>
+              <a:latin typeface="Arial Black" panose="020B0A04020102020204" pitchFamily="34" charset="0"/>
+            </a:endParaRPr>
+          </a:p>
+          <a:p>
+            <a:pPr marL="152400" indent="0" algn="l">
+              <a:spcAft>
+                <a:spcPts val="1200"/>
+              </a:spcAft>
+            </a:pPr>
+            <a:r>
+              <a:rPr lang="pt-BR" sz="3600" dirty="0" smtClean="0">
+                <a:solidFill>
+                  <a:schemeClr val="accent4"/>
+                </a:solidFill>
+                <a:latin typeface="Arial Black" panose="020B0A04020102020204" pitchFamily="34" charset="0"/>
+              </a:rPr>
+              <a:t>turun </a:t>
+            </a:r>
+            <a:r>
+              <a:rPr lang="pt-BR" sz="3600" dirty="0">
+                <a:solidFill>
+                  <a:schemeClr val="accent4"/>
+                </a:solidFill>
+                <a:latin typeface="Arial Black" panose="020B0A04020102020204" pitchFamily="34" charset="0"/>
+              </a:rPr>
+              <a:t>dalam dunia."</a:t>
+            </a:r>
+          </a:p>
+        </p:txBody>
+      </p:sp>
+    </p:spTree>
+    <p:extLst>
+      <p:ext uri="{BB962C8B-B14F-4D97-AF65-F5344CB8AC3E}">
+        <p14:creationId xmlns:p14="http://schemas.microsoft.com/office/powerpoint/2010/main" val="2717324518"/>
+      </p:ext>
+    </p:extLst>
+  </p:cSld>
+  <p:clrMapOvr>
+    <a:masterClrMapping/>
+  </p:clrMapOvr>
+  <p:timing>
+    <p:tnLst>
+      <p:par>
+        <p:cTn id="1" dur="indefinite" restart="never" nodeType="tmRoot"/>
+      </p:par>
+    </p:tnLst>
+  </p:timing>
+</p:sld>
+</file>
+
+<file path=ppt/slides/slide68.xml><?xml version="1.0" encoding="utf-8"?>
+<p:sld xmlns:a="http://schemas.openxmlformats.org/drawingml/2006/main" xmlns:r="http://schemas.openxmlformats.org/officeDocument/2006/relationships" xmlns:p="http://schemas.openxmlformats.org/presentationml/2006/main">
+  <p:cSld>
+    <p:spTree>
+      <p:nvGrpSpPr>
+        <p:cNvPr id="1" name="Shape 828"/>
+        <p:cNvGrpSpPr/>
+        <p:nvPr/>
+      </p:nvGrpSpPr>
+      <p:grpSpPr>
+        <a:xfrm>
+          <a:off x="0" y="0"/>
+          <a:ext cx="0" cy="0"/>
+          <a:chOff x="0" y="0"/>
+          <a:chExt cx="0" cy="0"/>
+        </a:xfrm>
+      </p:grpSpPr>
+      <p:sp>
+        <p:nvSpPr>
+          <p:cNvPr id="7" name="Text Placeholder 1"/>
+          <p:cNvSpPr txBox="1">
+            <a:spLocks/>
+          </p:cNvSpPr>
+          <p:nvPr/>
+        </p:nvSpPr>
+        <p:spPr>
+          <a:xfrm>
+            <a:off x="414671" y="264083"/>
+            <a:ext cx="8612371" cy="3052179"/>
+          </a:xfrm>
+          <a:prstGeom prst="rect">
+            <a:avLst/>
+          </a:prstGeom>
+          <a:noFill/>
+          <a:ln>
+            <a:noFill/>
+          </a:ln>
+        </p:spPr>
+        <p:txBody>
+          <a:bodyPr spcFirstLastPara="1" wrap="square" lIns="91425" tIns="91425" rIns="91425" bIns="91425" anchor="t" anchorCtr="0">
+            <a:noAutofit/>
+          </a:bodyPr>
+          <a:lstStyle>
+            <a:defPPr marR="0" lvl="0" algn="l" rtl="0">
+              <a:lnSpc>
+                <a:spcPct val="100000"/>
+              </a:lnSpc>
+              <a:spcBef>
+                <a:spcPts val="0"/>
+              </a:spcBef>
+              <a:spcAft>
+                <a:spcPts val="0"/>
+              </a:spcAft>
+            </a:defPPr>
+            <a:lvl1pPr marL="457200" marR="0" lvl="0" indent="-323850" algn="ctr" rtl="0">
+              <a:lnSpc>
+                <a:spcPct val="115000"/>
+              </a:lnSpc>
+              <a:spcBef>
+                <a:spcPts val="0"/>
+              </a:spcBef>
+              <a:spcAft>
+                <a:spcPts val="0"/>
+              </a:spcAft>
+              <a:buClr>
+                <a:srgbClr val="FBFBFB"/>
+              </a:buClr>
+              <a:buSzPts val="2000"/>
+              <a:buFont typeface="Holtwood One SC"/>
+              <a:buNone/>
+              <a:defRPr sz="2200" b="0" i="0" u="none" strike="noStrike" cap="none">
+                <a:solidFill>
+                  <a:schemeClr val="dk2"/>
+                </a:solidFill>
+                <a:latin typeface="Fredoka One"/>
+                <a:ea typeface="Fredoka One"/>
+                <a:cs typeface="Fredoka One"/>
+                <a:sym typeface="Fredoka One"/>
+              </a:defRPr>
+            </a:lvl1pPr>
+            <a:lvl2pPr marL="914400" marR="0" lvl="1" indent="-323850" algn="l" rtl="0">
+              <a:lnSpc>
+                <a:spcPct val="115000"/>
+              </a:lnSpc>
+              <a:spcBef>
+                <a:spcPts val="1600"/>
+              </a:spcBef>
+              <a:spcAft>
+                <a:spcPts val="0"/>
+              </a:spcAft>
+              <a:buClr>
+                <a:srgbClr val="FBFBFB"/>
+              </a:buClr>
+              <a:buSzPts val="2000"/>
+              <a:buFont typeface="Holtwood One SC"/>
+              <a:buNone/>
+              <a:defRPr sz="2000" b="0" i="0" u="none" strike="noStrike" cap="none">
+                <a:solidFill>
+                  <a:srgbClr val="FBFBFB"/>
+                </a:solidFill>
+                <a:latin typeface="Holtwood One SC"/>
+                <a:ea typeface="Holtwood One SC"/>
+                <a:cs typeface="Holtwood One SC"/>
+                <a:sym typeface="Holtwood One SC"/>
+              </a:defRPr>
+            </a:lvl2pPr>
+            <a:lvl3pPr marL="1371600" marR="0" lvl="2" indent="-323850" algn="l" rtl="0">
+              <a:lnSpc>
+                <a:spcPct val="115000"/>
+              </a:lnSpc>
+              <a:spcBef>
+                <a:spcPts val="1600"/>
+              </a:spcBef>
+              <a:spcAft>
+                <a:spcPts val="0"/>
+              </a:spcAft>
+              <a:buClr>
+                <a:srgbClr val="FBFBFB"/>
+              </a:buClr>
+              <a:buSzPts val="2000"/>
+              <a:buFont typeface="Holtwood One SC"/>
+              <a:buNone/>
+              <a:defRPr sz="2000" b="0" i="0" u="none" strike="noStrike" cap="none">
+                <a:solidFill>
+                  <a:srgbClr val="FBFBFB"/>
+                </a:solidFill>
+                <a:latin typeface="Holtwood One SC"/>
+                <a:ea typeface="Holtwood One SC"/>
+                <a:cs typeface="Holtwood One SC"/>
+                <a:sym typeface="Holtwood One SC"/>
+              </a:defRPr>
+            </a:lvl3pPr>
+            <a:lvl4pPr marL="1828800" marR="0" lvl="3" indent="-323850" algn="l" rtl="0">
+              <a:lnSpc>
+                <a:spcPct val="115000"/>
+              </a:lnSpc>
+              <a:spcBef>
+                <a:spcPts val="1600"/>
+              </a:spcBef>
+              <a:spcAft>
+                <a:spcPts val="0"/>
+              </a:spcAft>
+              <a:buClr>
+                <a:srgbClr val="FBFBFB"/>
+              </a:buClr>
+              <a:buSzPts val="2000"/>
+              <a:buFont typeface="Holtwood One SC"/>
+              <a:buNone/>
+              <a:defRPr sz="2000" b="0" i="0" u="none" strike="noStrike" cap="none">
+                <a:solidFill>
+                  <a:srgbClr val="FBFBFB"/>
+                </a:solidFill>
+                <a:latin typeface="Holtwood One SC"/>
+                <a:ea typeface="Holtwood One SC"/>
+                <a:cs typeface="Holtwood One SC"/>
+                <a:sym typeface="Holtwood One SC"/>
+              </a:defRPr>
+            </a:lvl4pPr>
+            <a:lvl5pPr marL="2286000" marR="0" lvl="4" indent="-323850" algn="l" rtl="0">
+              <a:lnSpc>
+                <a:spcPct val="115000"/>
+              </a:lnSpc>
+              <a:spcBef>
+                <a:spcPts val="1600"/>
+              </a:spcBef>
+              <a:spcAft>
+                <a:spcPts val="0"/>
+              </a:spcAft>
+              <a:buClr>
+                <a:srgbClr val="FBFBFB"/>
+              </a:buClr>
+              <a:buSzPts val="2000"/>
+              <a:buFont typeface="Holtwood One SC"/>
+              <a:buNone/>
+              <a:defRPr sz="2000" b="0" i="0" u="none" strike="noStrike" cap="none">
+                <a:solidFill>
+                  <a:srgbClr val="FBFBFB"/>
+                </a:solidFill>
+                <a:latin typeface="Holtwood One SC"/>
+                <a:ea typeface="Holtwood One SC"/>
+                <a:cs typeface="Holtwood One SC"/>
+                <a:sym typeface="Holtwood One SC"/>
+              </a:defRPr>
+            </a:lvl5pPr>
+            <a:lvl6pPr marL="2743200" marR="0" lvl="5" indent="-323850" algn="l" rtl="0">
+              <a:lnSpc>
+                <a:spcPct val="115000"/>
+              </a:lnSpc>
+              <a:spcBef>
+                <a:spcPts val="1600"/>
+              </a:spcBef>
+              <a:spcAft>
+                <a:spcPts val="0"/>
+              </a:spcAft>
+              <a:buClr>
+                <a:srgbClr val="FBFBFB"/>
+              </a:buClr>
+              <a:buSzPts val="2000"/>
+              <a:buFont typeface="Holtwood One SC"/>
+              <a:buNone/>
+              <a:defRPr sz="2000" b="0" i="0" u="none" strike="noStrike" cap="none">
+                <a:solidFill>
+                  <a:srgbClr val="FBFBFB"/>
+                </a:solidFill>
+                <a:latin typeface="Holtwood One SC"/>
+                <a:ea typeface="Holtwood One SC"/>
+                <a:cs typeface="Holtwood One SC"/>
+                <a:sym typeface="Holtwood One SC"/>
+              </a:defRPr>
+            </a:lvl6pPr>
+            <a:lvl7pPr marL="3200400" marR="0" lvl="6" indent="-317500" algn="l" rtl="0">
+              <a:lnSpc>
+                <a:spcPct val="115000"/>
+              </a:lnSpc>
+              <a:spcBef>
+                <a:spcPts val="1600"/>
+              </a:spcBef>
+              <a:spcAft>
+                <a:spcPts val="0"/>
+              </a:spcAft>
+              <a:buClr>
+                <a:srgbClr val="FBFBFB"/>
+              </a:buClr>
+              <a:buSzPts val="2000"/>
+              <a:buFont typeface="Holtwood One SC"/>
+              <a:buNone/>
+              <a:defRPr sz="2000" b="0" i="0" u="none" strike="noStrike" cap="none">
+                <a:solidFill>
+                  <a:srgbClr val="FBFBFB"/>
+                </a:solidFill>
+                <a:latin typeface="Holtwood One SC"/>
+                <a:ea typeface="Holtwood One SC"/>
+                <a:cs typeface="Holtwood One SC"/>
+                <a:sym typeface="Holtwood One SC"/>
+              </a:defRPr>
+            </a:lvl7pPr>
+            <a:lvl8pPr marL="3657600" marR="0" lvl="7" indent="-317500" algn="l" rtl="0">
+              <a:lnSpc>
+                <a:spcPct val="115000"/>
+              </a:lnSpc>
+              <a:spcBef>
+                <a:spcPts val="1600"/>
+              </a:spcBef>
+              <a:spcAft>
+                <a:spcPts val="0"/>
+              </a:spcAft>
+              <a:buClr>
+                <a:schemeClr val="dk2"/>
+              </a:buClr>
+              <a:buSzPts val="2000"/>
+              <a:buFont typeface="Holtwood One SC"/>
+              <a:buNone/>
+              <a:defRPr sz="2000" b="0" i="0" u="none" strike="noStrike" cap="none">
+                <a:solidFill>
+                  <a:schemeClr val="dk2"/>
+                </a:solidFill>
+                <a:latin typeface="Holtwood One SC"/>
+                <a:ea typeface="Holtwood One SC"/>
+                <a:cs typeface="Holtwood One SC"/>
+                <a:sym typeface="Holtwood One SC"/>
+              </a:defRPr>
+            </a:lvl8pPr>
+            <a:lvl9pPr marL="4114800" marR="0" lvl="8" indent="-317500" algn="l" rtl="0">
+              <a:lnSpc>
+                <a:spcPct val="115000"/>
+              </a:lnSpc>
+              <a:spcBef>
+                <a:spcPts val="1600"/>
+              </a:spcBef>
+              <a:spcAft>
+                <a:spcPts val="1600"/>
+              </a:spcAft>
+              <a:buClr>
+                <a:schemeClr val="dk2"/>
+              </a:buClr>
+              <a:buSzPts val="2000"/>
+              <a:buFont typeface="Holtwood One SC"/>
+              <a:buNone/>
+              <a:defRPr sz="2000" b="0" i="0" u="none" strike="noStrike" cap="none">
+                <a:solidFill>
+                  <a:schemeClr val="dk2"/>
+                </a:solidFill>
+                <a:latin typeface="Holtwood One SC"/>
+                <a:ea typeface="Holtwood One SC"/>
+                <a:cs typeface="Holtwood One SC"/>
+                <a:sym typeface="Holtwood One SC"/>
+              </a:defRPr>
+            </a:lvl9pPr>
+          </a:lstStyle>
+          <a:p>
+            <a:pPr marL="152400" indent="0" algn="l">
+              <a:spcAft>
+                <a:spcPts val="1200"/>
+              </a:spcAft>
+            </a:pPr>
+            <a:r>
+              <a:rPr lang="sv-SE" sz="3600" dirty="0">
+                <a:solidFill>
+                  <a:schemeClr val="accent4"/>
+                </a:solidFill>
+                <a:latin typeface="Arial Black" panose="020B0A04020102020204" pitchFamily="34" charset="0"/>
+              </a:rPr>
+              <a:t>Bangsa-bangsa, bangkitlah </a:t>
+            </a:r>
+            <a:endParaRPr lang="sv-SE" sz="3600" dirty="0" smtClean="0">
+              <a:solidFill>
+                <a:schemeClr val="accent4"/>
+              </a:solidFill>
+              <a:latin typeface="Arial Black" panose="020B0A04020102020204" pitchFamily="34" charset="0"/>
+            </a:endParaRPr>
+          </a:p>
+          <a:p>
+            <a:pPr marL="152400" indent="0" algn="l">
+              <a:spcAft>
+                <a:spcPts val="1200"/>
+              </a:spcAft>
+            </a:pPr>
+            <a:r>
+              <a:rPr lang="sv-SE" sz="3600" dirty="0" smtClean="0">
+                <a:solidFill>
+                  <a:schemeClr val="accent4"/>
+                </a:solidFill>
+                <a:latin typeface="Arial Black" panose="020B0A04020102020204" pitchFamily="34" charset="0"/>
+              </a:rPr>
+              <a:t>permaklumkan </a:t>
+            </a:r>
+            <a:r>
+              <a:rPr lang="sv-SE" sz="3600" dirty="0">
+                <a:solidFill>
+                  <a:schemeClr val="accent4"/>
+                </a:solidFill>
+                <a:latin typeface="Arial Black" panose="020B0A04020102020204" pitchFamily="34" charset="0"/>
+              </a:rPr>
+              <a:t>segera,</a:t>
+            </a:r>
+          </a:p>
+          <a:p>
+            <a:pPr marL="152400" indent="0" algn="l">
+              <a:spcAft>
+                <a:spcPts val="1200"/>
+              </a:spcAft>
+            </a:pPr>
+            <a:r>
+              <a:rPr lang="sv-SE" sz="3600" dirty="0" smtClean="0">
+                <a:solidFill>
+                  <a:schemeClr val="accent4"/>
+                </a:solidFill>
+                <a:latin typeface="Arial Black" panose="020B0A04020102020204" pitchFamily="34" charset="0"/>
+              </a:rPr>
+              <a:t>Kabar </a:t>
+            </a:r>
+            <a:r>
+              <a:rPr lang="sv-SE" sz="3600" dirty="0">
+                <a:solidFill>
+                  <a:schemeClr val="accent4"/>
+                </a:solidFill>
+                <a:latin typeface="Arial Black" panose="020B0A04020102020204" pitchFamily="34" charset="0"/>
+              </a:rPr>
+              <a:t>baik </a:t>
+            </a:r>
+            <a:r>
+              <a:rPr lang="sv-SE" sz="3600" dirty="0" smtClean="0">
+                <a:solidFill>
+                  <a:schemeClr val="accent4"/>
+                </a:solidFill>
+                <a:latin typeface="Arial Black" panose="020B0A04020102020204" pitchFamily="34" charset="0"/>
+              </a:rPr>
+              <a:t>cemerlang</a:t>
+            </a:r>
+          </a:p>
+          <a:p>
+            <a:pPr marL="152400" indent="0" algn="l">
+              <a:spcAft>
+                <a:spcPts val="1200"/>
+              </a:spcAft>
+            </a:pPr>
+            <a:r>
+              <a:rPr lang="sv-SE" sz="3600" dirty="0" smtClean="0">
+                <a:solidFill>
+                  <a:schemeClr val="accent4"/>
+                </a:solidFill>
+                <a:latin typeface="Arial Black" panose="020B0A04020102020204" pitchFamily="34" charset="0"/>
+              </a:rPr>
+              <a:t>Lahir </a:t>
+            </a:r>
+            <a:r>
+              <a:rPr lang="sv-SE" sz="3600" dirty="0">
+                <a:solidFill>
+                  <a:schemeClr val="accent4"/>
+                </a:solidFill>
+                <a:latin typeface="Arial Black" panose="020B0A04020102020204" pitchFamily="34" charset="0"/>
+              </a:rPr>
+              <a:t>Kristus, Sang Terang!</a:t>
+            </a:r>
+          </a:p>
+          <a:p>
+            <a:pPr marL="152400" indent="0" algn="l">
+              <a:spcAft>
+                <a:spcPts val="1200"/>
+              </a:spcAft>
+            </a:pPr>
+            <a:r>
+              <a:rPr lang="sv-SE" sz="3600" dirty="0" smtClean="0">
+                <a:solidFill>
+                  <a:schemeClr val="accent4"/>
+                </a:solidFill>
+                <a:latin typeface="Arial Black" panose="020B0A04020102020204" pitchFamily="34" charset="0"/>
+              </a:rPr>
+              <a:t>Gita </a:t>
+            </a:r>
+            <a:r>
+              <a:rPr lang="sv-SE" sz="3600" dirty="0">
+                <a:solidFill>
+                  <a:schemeClr val="accent4"/>
+                </a:solidFill>
+                <a:latin typeface="Arial Black" panose="020B0A04020102020204" pitchFamily="34" charset="0"/>
+              </a:rPr>
+              <a:t>surga bergema, </a:t>
+            </a:r>
+            <a:endParaRPr lang="sv-SE" sz="3600" dirty="0" smtClean="0">
+              <a:solidFill>
+                <a:schemeClr val="accent4"/>
+              </a:solidFill>
+              <a:latin typeface="Arial Black" panose="020B0A04020102020204" pitchFamily="34" charset="0"/>
+            </a:endParaRPr>
+          </a:p>
+          <a:p>
+            <a:pPr marL="152400" indent="0" algn="l">
+              <a:spcAft>
+                <a:spcPts val="1200"/>
+              </a:spcAft>
+            </a:pPr>
+            <a:r>
+              <a:rPr lang="sv-SE" sz="3600" dirty="0" smtClean="0">
+                <a:solidFill>
+                  <a:schemeClr val="accent4"/>
+                </a:solidFill>
+                <a:latin typeface="Arial Black" panose="020B0A04020102020204" pitchFamily="34" charset="0"/>
+              </a:rPr>
+              <a:t>"</a:t>
+            </a:r>
+            <a:r>
+              <a:rPr lang="sv-SE" sz="3600" dirty="0">
+                <a:solidFill>
+                  <a:schemeClr val="accent4"/>
+                </a:solidFill>
+                <a:latin typeface="Arial Black" panose="020B0A04020102020204" pitchFamily="34" charset="0"/>
+              </a:rPr>
+              <a:t>Lahir Raja mulia !"</a:t>
+            </a:r>
+          </a:p>
+        </p:txBody>
+      </p:sp>
+    </p:spTree>
+    <p:extLst>
+      <p:ext uri="{BB962C8B-B14F-4D97-AF65-F5344CB8AC3E}">
+        <p14:creationId xmlns:p14="http://schemas.microsoft.com/office/powerpoint/2010/main" val="770542484"/>
+      </p:ext>
+    </p:extLst>
+  </p:cSld>
+  <p:clrMapOvr>
+    <a:masterClrMapping/>
+  </p:clrMapOvr>
+  <p:timing>
+    <p:tnLst>
+      <p:par>
+        <p:cTn id="1" dur="indefinite" restart="never" nodeType="tmRoot"/>
+      </p:par>
+    </p:tnLst>
+  </p:timing>
+</p:sld>
+</file>
+
+<file path=ppt/slides/slide69.xml><?xml version="1.0" encoding="utf-8"?>
 <p:sld xmlns:a="http://schemas.openxmlformats.org/drawingml/2006/main" xmlns:r="http://schemas.openxmlformats.org/officeDocument/2006/relationships" xmlns:p="http://schemas.openxmlformats.org/presentationml/2006/main">
   <p:cSld>
     <p:spTree>
@@ -46186,7 +47621,7 @@
                 </a:solidFill>
                 <a:latin typeface="Arial Black" panose="020B0A04020102020204" pitchFamily="34" charset="0"/>
               </a:rPr>
-              <a:t>Raja Damai yang besar, </a:t>
+              <a:t>Yang di surga disembah Kristus, </a:t>
             </a:r>
             <a:endParaRPr lang="pt-BR" sz="3600" dirty="0" smtClean="0">
               <a:solidFill>
@@ -46208,7 +47643,7 @@
                 </a:solidFill>
                 <a:latin typeface="Arial Black" panose="020B0A04020102020204" pitchFamily="34" charset="0"/>
               </a:rPr>
-              <a:t>Surya </a:t>
+              <a:t>Raja </a:t>
             </a:r>
             <a:r>
               <a:rPr lang="pt-BR" sz="3600" dirty="0">
@@ -46217,7 +47652,7 @@
                 </a:solidFill>
                 <a:latin typeface="Arial Black" panose="020B0A04020102020204" pitchFamily="34" charset="0"/>
               </a:rPr>
-              <a:t>Hidup yang benar,</a:t>
+              <a:t>yang baka,</a:t>
             </a:r>
           </a:p>
           <a:p>
@@ -46233,7 +47668,7 @@
                 </a:solidFill>
                 <a:latin typeface="Arial Black" panose="020B0A04020102020204" pitchFamily="34" charset="0"/>
               </a:rPr>
-              <a:t>menyembuhkan </a:t>
+              <a:t>Lahir </a:t>
             </a:r>
             <a:r>
               <a:rPr lang="pt-BR" sz="3600" dirty="0">
@@ -46242,7 +47677,7 @@
                 </a:solidFill>
                 <a:latin typeface="Arial Black" panose="020B0A04020102020204" pitchFamily="34" charset="0"/>
               </a:rPr>
-              <a:t>dunia </a:t>
+              <a:t>dalam dunia </a:t>
             </a:r>
             <a:endParaRPr lang="pt-BR" sz="3600" dirty="0" smtClean="0">
               <a:solidFill>
@@ -46264,7 +47699,7 @@
                 </a:solidFill>
                 <a:latin typeface="Arial Black" panose="020B0A04020102020204" pitchFamily="34" charset="0"/>
               </a:rPr>
-              <a:t>di </a:t>
+              <a:t>dan </a:t>
             </a:r>
             <a:r>
               <a:rPr lang="pt-BR" sz="3600" dirty="0">
@@ -46273,7 +47708,7 @@
                 </a:solidFill>
                 <a:latin typeface="Arial Black" panose="020B0A04020102020204" pitchFamily="34" charset="0"/>
               </a:rPr>
-              <a:t>naungan sayapNya,</a:t>
+              <a:t>Maria bundaNya.</a:t>
             </a:r>
           </a:p>
         </p:txBody>
@@ -46281,486 +47716,7 @@
     </p:spTree>
     <p:extLst>
       <p:ext uri="{BB962C8B-B14F-4D97-AF65-F5344CB8AC3E}">
-        <p14:creationId xmlns:p14="http://schemas.microsoft.com/office/powerpoint/2010/main" val="1493349074"/>
-      </p:ext>
-    </p:extLst>
-  </p:cSld>
-  <p:clrMapOvr>
-    <a:masterClrMapping/>
-  </p:clrMapOvr>
-  <p:timing>
-    <p:tnLst>
-      <p:par>
-        <p:cTn id="1" dur="indefinite" restart="never" nodeType="tmRoot"/>
-      </p:par>
-    </p:tnLst>
-  </p:timing>
-</p:sld>
-</file>
-
-<file path=ppt/slides/slide68.xml><?xml version="1.0" encoding="utf-8"?>
-<p:sld xmlns:a="http://schemas.openxmlformats.org/drawingml/2006/main" xmlns:r="http://schemas.openxmlformats.org/officeDocument/2006/relationships" xmlns:p="http://schemas.openxmlformats.org/presentationml/2006/main">
-  <p:cSld>
-    <p:spTree>
-      <p:nvGrpSpPr>
-        <p:cNvPr id="1" name="Shape 828"/>
-        <p:cNvGrpSpPr/>
-        <p:nvPr/>
-      </p:nvGrpSpPr>
-      <p:grpSpPr>
-        <a:xfrm>
-          <a:off x="0" y="0"/>
-          <a:ext cx="0" cy="0"/>
-          <a:chOff x="0" y="0"/>
-          <a:chExt cx="0" cy="0"/>
-        </a:xfrm>
-      </p:grpSpPr>
-      <p:sp>
-        <p:nvSpPr>
-          <p:cNvPr id="7" name="Text Placeholder 1"/>
-          <p:cNvSpPr txBox="1">
-            <a:spLocks/>
-          </p:cNvSpPr>
-          <p:nvPr/>
-        </p:nvSpPr>
-        <p:spPr>
-          <a:xfrm>
-            <a:off x="414671" y="327877"/>
-            <a:ext cx="8612371" cy="3052179"/>
-          </a:xfrm>
-          <a:prstGeom prst="rect">
-            <a:avLst/>
-          </a:prstGeom>
-          <a:noFill/>
-          <a:ln>
-            <a:noFill/>
-          </a:ln>
-        </p:spPr>
-        <p:txBody>
-          <a:bodyPr spcFirstLastPara="1" wrap="square" lIns="91425" tIns="91425" rIns="91425" bIns="91425" anchor="t" anchorCtr="0">
-            <a:noAutofit/>
-          </a:bodyPr>
-          <a:lstStyle>
-            <a:defPPr marR="0" lvl="0" algn="l" rtl="0">
-              <a:lnSpc>
-                <a:spcPct val="100000"/>
-              </a:lnSpc>
-              <a:spcBef>
-                <a:spcPts val="0"/>
-              </a:spcBef>
-              <a:spcAft>
-                <a:spcPts val="0"/>
-              </a:spcAft>
-            </a:defPPr>
-            <a:lvl1pPr marL="457200" marR="0" lvl="0" indent="-323850" algn="ctr" rtl="0">
-              <a:lnSpc>
-                <a:spcPct val="115000"/>
-              </a:lnSpc>
-              <a:spcBef>
-                <a:spcPts val="0"/>
-              </a:spcBef>
-              <a:spcAft>
-                <a:spcPts val="0"/>
-              </a:spcAft>
-              <a:buClr>
-                <a:srgbClr val="FBFBFB"/>
-              </a:buClr>
-              <a:buSzPts val="2000"/>
-              <a:buFont typeface="Holtwood One SC"/>
-              <a:buNone/>
-              <a:defRPr sz="2200" b="0" i="0" u="none" strike="noStrike" cap="none">
-                <a:solidFill>
-                  <a:schemeClr val="dk2"/>
-                </a:solidFill>
-                <a:latin typeface="Fredoka One"/>
-                <a:ea typeface="Fredoka One"/>
-                <a:cs typeface="Fredoka One"/>
-                <a:sym typeface="Fredoka One"/>
-              </a:defRPr>
-            </a:lvl1pPr>
-            <a:lvl2pPr marL="914400" marR="0" lvl="1" indent="-323850" algn="l" rtl="0">
-              <a:lnSpc>
-                <a:spcPct val="115000"/>
-              </a:lnSpc>
-              <a:spcBef>
-                <a:spcPts val="1600"/>
-              </a:spcBef>
-              <a:spcAft>
-                <a:spcPts val="0"/>
-              </a:spcAft>
-              <a:buClr>
-                <a:srgbClr val="FBFBFB"/>
-              </a:buClr>
-              <a:buSzPts val="2000"/>
-              <a:buFont typeface="Holtwood One SC"/>
-              <a:buNone/>
-              <a:defRPr sz="2000" b="0" i="0" u="none" strike="noStrike" cap="none">
-                <a:solidFill>
-                  <a:srgbClr val="FBFBFB"/>
-                </a:solidFill>
-                <a:latin typeface="Holtwood One SC"/>
-                <a:ea typeface="Holtwood One SC"/>
-                <a:cs typeface="Holtwood One SC"/>
-                <a:sym typeface="Holtwood One SC"/>
-              </a:defRPr>
-            </a:lvl2pPr>
-            <a:lvl3pPr marL="1371600" marR="0" lvl="2" indent="-323850" algn="l" rtl="0">
-              <a:lnSpc>
-                <a:spcPct val="115000"/>
-              </a:lnSpc>
-              <a:spcBef>
-                <a:spcPts val="1600"/>
-              </a:spcBef>
-              <a:spcAft>
-                <a:spcPts val="0"/>
-              </a:spcAft>
-              <a:buClr>
-                <a:srgbClr val="FBFBFB"/>
-              </a:buClr>
-              <a:buSzPts val="2000"/>
-              <a:buFont typeface="Holtwood One SC"/>
-              <a:buNone/>
-              <a:defRPr sz="2000" b="0" i="0" u="none" strike="noStrike" cap="none">
-                <a:solidFill>
-                  <a:srgbClr val="FBFBFB"/>
-                </a:solidFill>
-                <a:latin typeface="Holtwood One SC"/>
-                <a:ea typeface="Holtwood One SC"/>
-                <a:cs typeface="Holtwood One SC"/>
-                <a:sym typeface="Holtwood One SC"/>
-              </a:defRPr>
-            </a:lvl3pPr>
-            <a:lvl4pPr marL="1828800" marR="0" lvl="3" indent="-323850" algn="l" rtl="0">
-              <a:lnSpc>
-                <a:spcPct val="115000"/>
-              </a:lnSpc>
-              <a:spcBef>
-                <a:spcPts val="1600"/>
-              </a:spcBef>
-              <a:spcAft>
-                <a:spcPts val="0"/>
-              </a:spcAft>
-              <a:buClr>
-                <a:srgbClr val="FBFBFB"/>
-              </a:buClr>
-              <a:buSzPts val="2000"/>
-              <a:buFont typeface="Holtwood One SC"/>
-              <a:buNone/>
-              <a:defRPr sz="2000" b="0" i="0" u="none" strike="noStrike" cap="none">
-                <a:solidFill>
-                  <a:srgbClr val="FBFBFB"/>
-                </a:solidFill>
-                <a:latin typeface="Holtwood One SC"/>
-                <a:ea typeface="Holtwood One SC"/>
-                <a:cs typeface="Holtwood One SC"/>
-                <a:sym typeface="Holtwood One SC"/>
-              </a:defRPr>
-            </a:lvl4pPr>
-            <a:lvl5pPr marL="2286000" marR="0" lvl="4" indent="-323850" algn="l" rtl="0">
-              <a:lnSpc>
-                <a:spcPct val="115000"/>
-              </a:lnSpc>
-              <a:spcBef>
-                <a:spcPts val="1600"/>
-              </a:spcBef>
-              <a:spcAft>
-                <a:spcPts val="0"/>
-              </a:spcAft>
-              <a:buClr>
-                <a:srgbClr val="FBFBFB"/>
-              </a:buClr>
-              <a:buSzPts val="2000"/>
-              <a:buFont typeface="Holtwood One SC"/>
-              <a:buNone/>
-              <a:defRPr sz="2000" b="0" i="0" u="none" strike="noStrike" cap="none">
-                <a:solidFill>
-                  <a:srgbClr val="FBFBFB"/>
-                </a:solidFill>
-                <a:latin typeface="Holtwood One SC"/>
-                <a:ea typeface="Holtwood One SC"/>
-                <a:cs typeface="Holtwood One SC"/>
-                <a:sym typeface="Holtwood One SC"/>
-              </a:defRPr>
-            </a:lvl5pPr>
-            <a:lvl6pPr marL="2743200" marR="0" lvl="5" indent="-323850" algn="l" rtl="0">
-              <a:lnSpc>
-                <a:spcPct val="115000"/>
-              </a:lnSpc>
-              <a:spcBef>
-                <a:spcPts val="1600"/>
-              </a:spcBef>
-              <a:spcAft>
-                <a:spcPts val="0"/>
-              </a:spcAft>
-              <a:buClr>
-                <a:srgbClr val="FBFBFB"/>
-              </a:buClr>
-              <a:buSzPts val="2000"/>
-              <a:buFont typeface="Holtwood One SC"/>
-              <a:buNone/>
-              <a:defRPr sz="2000" b="0" i="0" u="none" strike="noStrike" cap="none">
-                <a:solidFill>
-                  <a:srgbClr val="FBFBFB"/>
-                </a:solidFill>
-                <a:latin typeface="Holtwood One SC"/>
-                <a:ea typeface="Holtwood One SC"/>
-                <a:cs typeface="Holtwood One SC"/>
-                <a:sym typeface="Holtwood One SC"/>
-              </a:defRPr>
-            </a:lvl6pPr>
-            <a:lvl7pPr marL="3200400" marR="0" lvl="6" indent="-317500" algn="l" rtl="0">
-              <a:lnSpc>
-                <a:spcPct val="115000"/>
-              </a:lnSpc>
-              <a:spcBef>
-                <a:spcPts val="1600"/>
-              </a:spcBef>
-              <a:spcAft>
-                <a:spcPts val="0"/>
-              </a:spcAft>
-              <a:buClr>
-                <a:srgbClr val="FBFBFB"/>
-              </a:buClr>
-              <a:buSzPts val="2000"/>
-              <a:buFont typeface="Holtwood One SC"/>
-              <a:buNone/>
-              <a:defRPr sz="2000" b="0" i="0" u="none" strike="noStrike" cap="none">
-                <a:solidFill>
-                  <a:srgbClr val="FBFBFB"/>
-                </a:solidFill>
-                <a:latin typeface="Holtwood One SC"/>
-                <a:ea typeface="Holtwood One SC"/>
-                <a:cs typeface="Holtwood One SC"/>
-                <a:sym typeface="Holtwood One SC"/>
-              </a:defRPr>
-            </a:lvl7pPr>
-            <a:lvl8pPr marL="3657600" marR="0" lvl="7" indent="-317500" algn="l" rtl="0">
-              <a:lnSpc>
-                <a:spcPct val="115000"/>
-              </a:lnSpc>
-              <a:spcBef>
-                <a:spcPts val="1600"/>
-              </a:spcBef>
-              <a:spcAft>
-                <a:spcPts val="0"/>
-              </a:spcAft>
-              <a:buClr>
-                <a:schemeClr val="dk2"/>
-              </a:buClr>
-              <a:buSzPts val="2000"/>
-              <a:buFont typeface="Holtwood One SC"/>
-              <a:buNone/>
-              <a:defRPr sz="2000" b="0" i="0" u="none" strike="noStrike" cap="none">
-                <a:solidFill>
-                  <a:schemeClr val="dk2"/>
-                </a:solidFill>
-                <a:latin typeface="Holtwood One SC"/>
-                <a:ea typeface="Holtwood One SC"/>
-                <a:cs typeface="Holtwood One SC"/>
-                <a:sym typeface="Holtwood One SC"/>
-              </a:defRPr>
-            </a:lvl8pPr>
-            <a:lvl9pPr marL="4114800" marR="0" lvl="8" indent="-317500" algn="l" rtl="0">
-              <a:lnSpc>
-                <a:spcPct val="115000"/>
-              </a:lnSpc>
-              <a:spcBef>
-                <a:spcPts val="1600"/>
-              </a:spcBef>
-              <a:spcAft>
-                <a:spcPts val="1600"/>
-              </a:spcAft>
-              <a:buClr>
-                <a:schemeClr val="dk2"/>
-              </a:buClr>
-              <a:buSzPts val="2000"/>
-              <a:buFont typeface="Holtwood One SC"/>
-              <a:buNone/>
-              <a:defRPr sz="2000" b="0" i="0" u="none" strike="noStrike" cap="none">
-                <a:solidFill>
-                  <a:schemeClr val="dk2"/>
-                </a:solidFill>
-                <a:latin typeface="Holtwood One SC"/>
-                <a:ea typeface="Holtwood One SC"/>
-                <a:cs typeface="Holtwood One SC"/>
-                <a:sym typeface="Holtwood One SC"/>
-              </a:defRPr>
-            </a:lvl9pPr>
-          </a:lstStyle>
-          <a:p>
-            <a:pPr marL="152400" indent="0" algn="l">
-              <a:spcAft>
-                <a:spcPts val="1200"/>
-              </a:spcAft>
-            </a:pPr>
-            <a:r>
-              <a:rPr lang="sv-SE" sz="3600" dirty="0" smtClean="0">
-                <a:solidFill>
-                  <a:schemeClr val="accent4"/>
-                </a:solidFill>
-                <a:latin typeface="Arial Black" panose="020B0A04020102020204" pitchFamily="34" charset="0"/>
-              </a:rPr>
-              <a:t>Tak </a:t>
-            </a:r>
-            <a:r>
-              <a:rPr lang="sv-SE" sz="3600" dirty="0">
-                <a:solidFill>
-                  <a:schemeClr val="accent4"/>
-                </a:solidFill>
-                <a:latin typeface="Arial Black" panose="020B0A04020102020204" pitchFamily="34" charset="0"/>
-              </a:rPr>
-              <a:t>memandang diriNya, </a:t>
-            </a:r>
-            <a:endParaRPr lang="sv-SE" sz="3600" dirty="0" smtClean="0">
-              <a:solidFill>
-                <a:schemeClr val="accent4"/>
-              </a:solidFill>
-              <a:latin typeface="Arial Black" panose="020B0A04020102020204" pitchFamily="34" charset="0"/>
-            </a:endParaRPr>
-          </a:p>
-          <a:p>
-            <a:pPr marL="152400" indent="0" algn="l">
-              <a:spcAft>
-                <a:spcPts val="1200"/>
-              </a:spcAft>
-            </a:pPr>
-            <a:r>
-              <a:rPr lang="sv-SE" sz="3600" dirty="0" smtClean="0">
-                <a:solidFill>
-                  <a:schemeClr val="accent4"/>
-                </a:solidFill>
-                <a:latin typeface="Arial Black" panose="020B0A04020102020204" pitchFamily="34" charset="0"/>
-              </a:rPr>
-              <a:t>mautpun </a:t>
-            </a:r>
-            <a:r>
-              <a:rPr lang="sv-SE" sz="3600" dirty="0">
-                <a:solidFill>
-                  <a:schemeClr val="accent4"/>
-                </a:solidFill>
-                <a:latin typeface="Arial Black" panose="020B0A04020102020204" pitchFamily="34" charset="0"/>
-              </a:rPr>
-              <a:t>dit'rimaNya,</a:t>
-            </a:r>
-          </a:p>
-          <a:p>
-            <a:pPr marL="152400" indent="0" algn="l">
-              <a:spcAft>
-                <a:spcPts val="1200"/>
-              </a:spcAft>
-            </a:pPr>
-            <a:r>
-              <a:rPr lang="sv-SE" sz="3600" dirty="0" smtClean="0">
-                <a:solidFill>
-                  <a:schemeClr val="accent4"/>
-                </a:solidFill>
-                <a:latin typeface="Arial Black" panose="020B0A04020102020204" pitchFamily="34" charset="0"/>
-              </a:rPr>
-              <a:t>lahir </a:t>
-            </a:r>
-            <a:r>
-              <a:rPr lang="sv-SE" sz="3600" dirty="0">
-                <a:solidFill>
-                  <a:schemeClr val="accent4"/>
-                </a:solidFill>
-                <a:latin typeface="Arial Black" panose="020B0A04020102020204" pitchFamily="34" charset="0"/>
-              </a:rPr>
-              <a:t>untuk memberi </a:t>
-            </a:r>
-            <a:endParaRPr lang="sv-SE" sz="3600" dirty="0" smtClean="0">
-              <a:solidFill>
-                <a:schemeClr val="accent4"/>
-              </a:solidFill>
-              <a:latin typeface="Arial Black" panose="020B0A04020102020204" pitchFamily="34" charset="0"/>
-            </a:endParaRPr>
-          </a:p>
-          <a:p>
-            <a:pPr marL="152400" indent="0" algn="l">
-              <a:spcAft>
-                <a:spcPts val="1200"/>
-              </a:spcAft>
-            </a:pPr>
-            <a:r>
-              <a:rPr lang="sv-SE" sz="3600" dirty="0" smtClean="0">
-                <a:solidFill>
-                  <a:schemeClr val="accent4"/>
-                </a:solidFill>
-                <a:latin typeface="Arial Black" panose="020B0A04020102020204" pitchFamily="34" charset="0"/>
-              </a:rPr>
-              <a:t>hidup </a:t>
-            </a:r>
-            <a:r>
-              <a:rPr lang="sv-SE" sz="3600" dirty="0">
-                <a:solidFill>
-                  <a:schemeClr val="accent4"/>
-                </a:solidFill>
-                <a:latin typeface="Arial Black" panose="020B0A04020102020204" pitchFamily="34" charset="0"/>
-              </a:rPr>
-              <a:t>baru abadi !</a:t>
-            </a:r>
-          </a:p>
-          <a:p>
-            <a:pPr marL="152400" indent="0" algn="l">
-              <a:spcAft>
-                <a:spcPts val="1200"/>
-              </a:spcAft>
-            </a:pPr>
-            <a:r>
-              <a:rPr lang="sv-SE" sz="3600" dirty="0" smtClean="0">
-                <a:solidFill>
-                  <a:schemeClr val="accent4"/>
-                </a:solidFill>
-                <a:latin typeface="Arial Black" panose="020B0A04020102020204" pitchFamily="34" charset="0"/>
-              </a:rPr>
-              <a:t>Gita </a:t>
-            </a:r>
-            <a:r>
-              <a:rPr lang="sv-SE" sz="3600" dirty="0">
-                <a:solidFill>
-                  <a:schemeClr val="accent4"/>
-                </a:solidFill>
-                <a:latin typeface="Arial Black" panose="020B0A04020102020204" pitchFamily="34" charset="0"/>
-              </a:rPr>
-              <a:t>surga bergema, </a:t>
-            </a:r>
-            <a:endParaRPr lang="sv-SE" sz="3600" dirty="0" smtClean="0">
-              <a:solidFill>
-                <a:schemeClr val="accent4"/>
-              </a:solidFill>
-              <a:latin typeface="Arial Black" panose="020B0A04020102020204" pitchFamily="34" charset="0"/>
-            </a:endParaRPr>
-          </a:p>
-          <a:p>
-            <a:pPr marL="152400" indent="0" algn="l">
-              <a:spcAft>
-                <a:spcPts val="1200"/>
-              </a:spcAft>
-            </a:pPr>
-            <a:r>
-              <a:rPr lang="sv-SE" sz="3600" dirty="0" smtClean="0">
-                <a:solidFill>
-                  <a:schemeClr val="accent4"/>
-                </a:solidFill>
-                <a:latin typeface="Arial Black" panose="020B0A04020102020204" pitchFamily="34" charset="0"/>
-              </a:rPr>
-              <a:t>"</a:t>
-            </a:r>
-            <a:r>
-              <a:rPr lang="sv-SE" sz="3600" dirty="0">
-                <a:solidFill>
-                  <a:schemeClr val="accent4"/>
-                </a:solidFill>
-                <a:latin typeface="Arial Black" panose="020B0A04020102020204" pitchFamily="34" charset="0"/>
-              </a:rPr>
-              <a:t>Lahir Raja mulia!"</a:t>
-            </a:r>
-          </a:p>
-        </p:txBody>
-      </p:sp>
-    </p:spTree>
-    <p:extLst>
-      <p:ext uri="{BB962C8B-B14F-4D97-AF65-F5344CB8AC3E}">
-        <p14:creationId xmlns:p14="http://schemas.microsoft.com/office/powerpoint/2010/main" val="307359229"/>
+        <p14:creationId xmlns:p14="http://schemas.microsoft.com/office/powerpoint/2010/main" val="1884011829"/>
       </p:ext>
     </p:extLst>
   </p:cSld>
@@ -47175,6 +48131,1387 @@
     <p:extLst>
       <p:ext uri="{BB962C8B-B14F-4D97-AF65-F5344CB8AC3E}">
         <p14:creationId xmlns:p14="http://schemas.microsoft.com/office/powerpoint/2010/main" val="3400331912"/>
+      </p:ext>
+    </p:extLst>
+  </p:cSld>
+  <p:clrMapOvr>
+    <a:masterClrMapping/>
+  </p:clrMapOvr>
+  <p:timing>
+    <p:tnLst>
+      <p:par>
+        <p:cTn id="1" dur="indefinite" restart="never" nodeType="tmRoot"/>
+      </p:par>
+    </p:tnLst>
+  </p:timing>
+</p:sld>
+</file>
+
+<file path=ppt/slides/slide70.xml><?xml version="1.0" encoding="utf-8"?>
+<p:sld xmlns:a="http://schemas.openxmlformats.org/drawingml/2006/main" xmlns:r="http://schemas.openxmlformats.org/officeDocument/2006/relationships" xmlns:p="http://schemas.openxmlformats.org/presentationml/2006/main">
+  <p:cSld>
+    <p:spTree>
+      <p:nvGrpSpPr>
+        <p:cNvPr id="1" name="Shape 828"/>
+        <p:cNvGrpSpPr/>
+        <p:nvPr/>
+      </p:nvGrpSpPr>
+      <p:grpSpPr>
+        <a:xfrm>
+          <a:off x="0" y="0"/>
+          <a:ext cx="0" cy="0"/>
+          <a:chOff x="0" y="0"/>
+          <a:chExt cx="0" cy="0"/>
+        </a:xfrm>
+      </p:grpSpPr>
+      <p:sp>
+        <p:nvSpPr>
+          <p:cNvPr id="7" name="Text Placeholder 1"/>
+          <p:cNvSpPr txBox="1">
+            <a:spLocks/>
+          </p:cNvSpPr>
+          <p:nvPr/>
+        </p:nvSpPr>
+        <p:spPr>
+          <a:xfrm>
+            <a:off x="414671" y="327877"/>
+            <a:ext cx="8612371" cy="3052179"/>
+          </a:xfrm>
+          <a:prstGeom prst="rect">
+            <a:avLst/>
+          </a:prstGeom>
+          <a:noFill/>
+          <a:ln>
+            <a:noFill/>
+          </a:ln>
+        </p:spPr>
+        <p:txBody>
+          <a:bodyPr spcFirstLastPara="1" wrap="square" lIns="91425" tIns="91425" rIns="91425" bIns="91425" anchor="t" anchorCtr="0">
+            <a:noAutofit/>
+          </a:bodyPr>
+          <a:lstStyle>
+            <a:defPPr marR="0" lvl="0" algn="l" rtl="0">
+              <a:lnSpc>
+                <a:spcPct val="100000"/>
+              </a:lnSpc>
+              <a:spcBef>
+                <a:spcPts val="0"/>
+              </a:spcBef>
+              <a:spcAft>
+                <a:spcPts val="0"/>
+              </a:spcAft>
+            </a:defPPr>
+            <a:lvl1pPr marL="457200" marR="0" lvl="0" indent="-323850" algn="ctr" rtl="0">
+              <a:lnSpc>
+                <a:spcPct val="115000"/>
+              </a:lnSpc>
+              <a:spcBef>
+                <a:spcPts val="0"/>
+              </a:spcBef>
+              <a:spcAft>
+                <a:spcPts val="0"/>
+              </a:spcAft>
+              <a:buClr>
+                <a:srgbClr val="FBFBFB"/>
+              </a:buClr>
+              <a:buSzPts val="2000"/>
+              <a:buFont typeface="Holtwood One SC"/>
+              <a:buNone/>
+              <a:defRPr sz="2200" b="0" i="0" u="none" strike="noStrike" cap="none">
+                <a:solidFill>
+                  <a:schemeClr val="dk2"/>
+                </a:solidFill>
+                <a:latin typeface="Fredoka One"/>
+                <a:ea typeface="Fredoka One"/>
+                <a:cs typeface="Fredoka One"/>
+                <a:sym typeface="Fredoka One"/>
+              </a:defRPr>
+            </a:lvl1pPr>
+            <a:lvl2pPr marL="914400" marR="0" lvl="1" indent="-323850" algn="l" rtl="0">
+              <a:lnSpc>
+                <a:spcPct val="115000"/>
+              </a:lnSpc>
+              <a:spcBef>
+                <a:spcPts val="1600"/>
+              </a:spcBef>
+              <a:spcAft>
+                <a:spcPts val="0"/>
+              </a:spcAft>
+              <a:buClr>
+                <a:srgbClr val="FBFBFB"/>
+              </a:buClr>
+              <a:buSzPts val="2000"/>
+              <a:buFont typeface="Holtwood One SC"/>
+              <a:buNone/>
+              <a:defRPr sz="2000" b="0" i="0" u="none" strike="noStrike" cap="none">
+                <a:solidFill>
+                  <a:srgbClr val="FBFBFB"/>
+                </a:solidFill>
+                <a:latin typeface="Holtwood One SC"/>
+                <a:ea typeface="Holtwood One SC"/>
+                <a:cs typeface="Holtwood One SC"/>
+                <a:sym typeface="Holtwood One SC"/>
+              </a:defRPr>
+            </a:lvl2pPr>
+            <a:lvl3pPr marL="1371600" marR="0" lvl="2" indent="-323850" algn="l" rtl="0">
+              <a:lnSpc>
+                <a:spcPct val="115000"/>
+              </a:lnSpc>
+              <a:spcBef>
+                <a:spcPts val="1600"/>
+              </a:spcBef>
+              <a:spcAft>
+                <a:spcPts val="0"/>
+              </a:spcAft>
+              <a:buClr>
+                <a:srgbClr val="FBFBFB"/>
+              </a:buClr>
+              <a:buSzPts val="2000"/>
+              <a:buFont typeface="Holtwood One SC"/>
+              <a:buNone/>
+              <a:defRPr sz="2000" b="0" i="0" u="none" strike="noStrike" cap="none">
+                <a:solidFill>
+                  <a:srgbClr val="FBFBFB"/>
+                </a:solidFill>
+                <a:latin typeface="Holtwood One SC"/>
+                <a:ea typeface="Holtwood One SC"/>
+                <a:cs typeface="Holtwood One SC"/>
+                <a:sym typeface="Holtwood One SC"/>
+              </a:defRPr>
+            </a:lvl3pPr>
+            <a:lvl4pPr marL="1828800" marR="0" lvl="3" indent="-323850" algn="l" rtl="0">
+              <a:lnSpc>
+                <a:spcPct val="115000"/>
+              </a:lnSpc>
+              <a:spcBef>
+                <a:spcPts val="1600"/>
+              </a:spcBef>
+              <a:spcAft>
+                <a:spcPts val="0"/>
+              </a:spcAft>
+              <a:buClr>
+                <a:srgbClr val="FBFBFB"/>
+              </a:buClr>
+              <a:buSzPts val="2000"/>
+              <a:buFont typeface="Holtwood One SC"/>
+              <a:buNone/>
+              <a:defRPr sz="2000" b="0" i="0" u="none" strike="noStrike" cap="none">
+                <a:solidFill>
+                  <a:srgbClr val="FBFBFB"/>
+                </a:solidFill>
+                <a:latin typeface="Holtwood One SC"/>
+                <a:ea typeface="Holtwood One SC"/>
+                <a:cs typeface="Holtwood One SC"/>
+                <a:sym typeface="Holtwood One SC"/>
+              </a:defRPr>
+            </a:lvl4pPr>
+            <a:lvl5pPr marL="2286000" marR="0" lvl="4" indent="-323850" algn="l" rtl="0">
+              <a:lnSpc>
+                <a:spcPct val="115000"/>
+              </a:lnSpc>
+              <a:spcBef>
+                <a:spcPts val="1600"/>
+              </a:spcBef>
+              <a:spcAft>
+                <a:spcPts val="0"/>
+              </a:spcAft>
+              <a:buClr>
+                <a:srgbClr val="FBFBFB"/>
+              </a:buClr>
+              <a:buSzPts val="2000"/>
+              <a:buFont typeface="Holtwood One SC"/>
+              <a:buNone/>
+              <a:defRPr sz="2000" b="0" i="0" u="none" strike="noStrike" cap="none">
+                <a:solidFill>
+                  <a:srgbClr val="FBFBFB"/>
+                </a:solidFill>
+                <a:latin typeface="Holtwood One SC"/>
+                <a:ea typeface="Holtwood One SC"/>
+                <a:cs typeface="Holtwood One SC"/>
+                <a:sym typeface="Holtwood One SC"/>
+              </a:defRPr>
+            </a:lvl5pPr>
+            <a:lvl6pPr marL="2743200" marR="0" lvl="5" indent="-323850" algn="l" rtl="0">
+              <a:lnSpc>
+                <a:spcPct val="115000"/>
+              </a:lnSpc>
+              <a:spcBef>
+                <a:spcPts val="1600"/>
+              </a:spcBef>
+              <a:spcAft>
+                <a:spcPts val="0"/>
+              </a:spcAft>
+              <a:buClr>
+                <a:srgbClr val="FBFBFB"/>
+              </a:buClr>
+              <a:buSzPts val="2000"/>
+              <a:buFont typeface="Holtwood One SC"/>
+              <a:buNone/>
+              <a:defRPr sz="2000" b="0" i="0" u="none" strike="noStrike" cap="none">
+                <a:solidFill>
+                  <a:srgbClr val="FBFBFB"/>
+                </a:solidFill>
+                <a:latin typeface="Holtwood One SC"/>
+                <a:ea typeface="Holtwood One SC"/>
+                <a:cs typeface="Holtwood One SC"/>
+                <a:sym typeface="Holtwood One SC"/>
+              </a:defRPr>
+            </a:lvl6pPr>
+            <a:lvl7pPr marL="3200400" marR="0" lvl="6" indent="-317500" algn="l" rtl="0">
+              <a:lnSpc>
+                <a:spcPct val="115000"/>
+              </a:lnSpc>
+              <a:spcBef>
+                <a:spcPts val="1600"/>
+              </a:spcBef>
+              <a:spcAft>
+                <a:spcPts val="0"/>
+              </a:spcAft>
+              <a:buClr>
+                <a:srgbClr val="FBFBFB"/>
+              </a:buClr>
+              <a:buSzPts val="2000"/>
+              <a:buFont typeface="Holtwood One SC"/>
+              <a:buNone/>
+              <a:defRPr sz="2000" b="0" i="0" u="none" strike="noStrike" cap="none">
+                <a:solidFill>
+                  <a:srgbClr val="FBFBFB"/>
+                </a:solidFill>
+                <a:latin typeface="Holtwood One SC"/>
+                <a:ea typeface="Holtwood One SC"/>
+                <a:cs typeface="Holtwood One SC"/>
+                <a:sym typeface="Holtwood One SC"/>
+              </a:defRPr>
+            </a:lvl7pPr>
+            <a:lvl8pPr marL="3657600" marR="0" lvl="7" indent="-317500" algn="l" rtl="0">
+              <a:lnSpc>
+                <a:spcPct val="115000"/>
+              </a:lnSpc>
+              <a:spcBef>
+                <a:spcPts val="1600"/>
+              </a:spcBef>
+              <a:spcAft>
+                <a:spcPts val="0"/>
+              </a:spcAft>
+              <a:buClr>
+                <a:schemeClr val="dk2"/>
+              </a:buClr>
+              <a:buSzPts val="2000"/>
+              <a:buFont typeface="Holtwood One SC"/>
+              <a:buNone/>
+              <a:defRPr sz="2000" b="0" i="0" u="none" strike="noStrike" cap="none">
+                <a:solidFill>
+                  <a:schemeClr val="dk2"/>
+                </a:solidFill>
+                <a:latin typeface="Holtwood One SC"/>
+                <a:ea typeface="Holtwood One SC"/>
+                <a:cs typeface="Holtwood One SC"/>
+                <a:sym typeface="Holtwood One SC"/>
+              </a:defRPr>
+            </a:lvl8pPr>
+            <a:lvl9pPr marL="4114800" marR="0" lvl="8" indent="-317500" algn="l" rtl="0">
+              <a:lnSpc>
+                <a:spcPct val="115000"/>
+              </a:lnSpc>
+              <a:spcBef>
+                <a:spcPts val="1600"/>
+              </a:spcBef>
+              <a:spcAft>
+                <a:spcPts val="1600"/>
+              </a:spcAft>
+              <a:buClr>
+                <a:schemeClr val="dk2"/>
+              </a:buClr>
+              <a:buSzPts val="2000"/>
+              <a:buFont typeface="Holtwood One SC"/>
+              <a:buNone/>
+              <a:defRPr sz="2000" b="0" i="0" u="none" strike="noStrike" cap="none">
+                <a:solidFill>
+                  <a:schemeClr val="dk2"/>
+                </a:solidFill>
+                <a:latin typeface="Holtwood One SC"/>
+                <a:ea typeface="Holtwood One SC"/>
+                <a:cs typeface="Holtwood One SC"/>
+                <a:sym typeface="Holtwood One SC"/>
+              </a:defRPr>
+            </a:lvl9pPr>
+          </a:lstStyle>
+          <a:p>
+            <a:pPr marL="152400" indent="0" algn="l">
+              <a:spcAft>
+                <a:spcPts val="1200"/>
+              </a:spcAft>
+            </a:pPr>
+            <a:r>
+              <a:rPr lang="sv-SE" sz="3600" dirty="0">
+                <a:solidFill>
+                  <a:schemeClr val="accent4"/>
+                </a:solidFill>
+                <a:latin typeface="Arial Black" panose="020B0A04020102020204" pitchFamily="34" charset="0"/>
+              </a:rPr>
+              <a:t>Dalam daging dikenal Firman </a:t>
+            </a:r>
+            <a:endParaRPr lang="sv-SE" sz="3600" dirty="0" smtClean="0">
+              <a:solidFill>
+                <a:schemeClr val="accent4"/>
+              </a:solidFill>
+              <a:latin typeface="Arial Black" panose="020B0A04020102020204" pitchFamily="34" charset="0"/>
+            </a:endParaRPr>
+          </a:p>
+          <a:p>
+            <a:pPr marL="152400" indent="0" algn="l">
+              <a:spcAft>
+                <a:spcPts val="1200"/>
+              </a:spcAft>
+            </a:pPr>
+            <a:r>
+              <a:rPr lang="sv-SE" sz="3600" dirty="0" smtClean="0">
+                <a:solidFill>
+                  <a:schemeClr val="accent4"/>
+                </a:solidFill>
+                <a:latin typeface="Arial Black" panose="020B0A04020102020204" pitchFamily="34" charset="0"/>
+              </a:rPr>
+              <a:t>Allah </a:t>
+            </a:r>
+            <a:r>
+              <a:rPr lang="sv-SE" sz="3600" dirty="0">
+                <a:solidFill>
+                  <a:schemeClr val="accent4"/>
+                </a:solidFill>
+                <a:latin typeface="Arial Black" panose="020B0A04020102020204" pitchFamily="34" charset="0"/>
+              </a:rPr>
+              <a:t>yang </a:t>
+            </a:r>
+            <a:r>
+              <a:rPr lang="sv-SE" sz="3600" dirty="0" smtClean="0">
+                <a:solidFill>
+                  <a:schemeClr val="accent4"/>
+                </a:solidFill>
+                <a:latin typeface="Arial Black" panose="020B0A04020102020204" pitchFamily="34" charset="0"/>
+              </a:rPr>
+              <a:t>kekal </a:t>
+            </a:r>
+          </a:p>
+          <a:p>
+            <a:pPr marL="152400" indent="0" algn="l">
+              <a:spcAft>
+                <a:spcPts val="1200"/>
+              </a:spcAft>
+            </a:pPr>
+            <a:r>
+              <a:rPr lang="sv-SE" sz="3600" dirty="0">
+                <a:solidFill>
+                  <a:schemeClr val="accent4"/>
+                </a:solidFill>
+                <a:latin typeface="Arial Black" panose="020B0A04020102020204" pitchFamily="34" charset="0"/>
+              </a:rPr>
+              <a:t>D</a:t>
+            </a:r>
+            <a:r>
+              <a:rPr lang="sv-SE" sz="3600" dirty="0" smtClean="0">
+                <a:solidFill>
+                  <a:schemeClr val="accent4"/>
+                </a:solidFill>
+                <a:latin typeface="Arial Black" panose="020B0A04020102020204" pitchFamily="34" charset="0"/>
+              </a:rPr>
+              <a:t>alam </a:t>
+            </a:r>
+            <a:r>
+              <a:rPr lang="sv-SE" sz="3600" dirty="0">
+                <a:solidFill>
+                  <a:schemeClr val="accent4"/>
+                </a:solidFill>
+                <a:latin typeface="Arial Black" panose="020B0A04020102020204" pitchFamily="34" charset="0"/>
+              </a:rPr>
+              <a:t>Anak yang kecil </a:t>
+            </a:r>
+            <a:endParaRPr lang="sv-SE" sz="3600" dirty="0" smtClean="0">
+              <a:solidFill>
+                <a:schemeClr val="accent4"/>
+              </a:solidFill>
+              <a:latin typeface="Arial Black" panose="020B0A04020102020204" pitchFamily="34" charset="0"/>
+            </a:endParaRPr>
+          </a:p>
+          <a:p>
+            <a:pPr marL="152400" indent="0" algn="l">
+              <a:spcAft>
+                <a:spcPts val="1200"/>
+              </a:spcAft>
+            </a:pPr>
+            <a:r>
+              <a:rPr lang="sv-SE" sz="3600" dirty="0" smtClean="0">
+                <a:solidFill>
+                  <a:schemeClr val="accent4"/>
+                </a:solidFill>
+                <a:latin typeface="Arial Black" panose="020B0A04020102020204" pitchFamily="34" charset="0"/>
+              </a:rPr>
+              <a:t>nyatalah </a:t>
+            </a:r>
+            <a:r>
+              <a:rPr lang="sv-SE" sz="3600" dirty="0">
+                <a:solidFill>
+                  <a:schemeClr val="accent4"/>
+                </a:solidFill>
+                <a:latin typeface="Arial Black" panose="020B0A04020102020204" pitchFamily="34" charset="0"/>
+              </a:rPr>
+              <a:t>Imanuel !</a:t>
+            </a:r>
+          </a:p>
+          <a:p>
+            <a:pPr marL="152400" indent="0" algn="l">
+              <a:spcAft>
+                <a:spcPts val="1200"/>
+              </a:spcAft>
+            </a:pPr>
+            <a:r>
+              <a:rPr lang="sv-SE" sz="3600" dirty="0" smtClean="0">
+                <a:solidFill>
+                  <a:schemeClr val="accent4"/>
+                </a:solidFill>
+                <a:latin typeface="Arial Black" panose="020B0A04020102020204" pitchFamily="34" charset="0"/>
+              </a:rPr>
+              <a:t>Gita </a:t>
+            </a:r>
+            <a:r>
+              <a:rPr lang="sv-SE" sz="3600" dirty="0">
+                <a:solidFill>
+                  <a:schemeClr val="accent4"/>
+                </a:solidFill>
+                <a:latin typeface="Arial Black" panose="020B0A04020102020204" pitchFamily="34" charset="0"/>
+              </a:rPr>
+              <a:t>surga bergema, </a:t>
+            </a:r>
+            <a:endParaRPr lang="sv-SE" sz="3600" dirty="0" smtClean="0">
+              <a:solidFill>
+                <a:schemeClr val="accent4"/>
+              </a:solidFill>
+              <a:latin typeface="Arial Black" panose="020B0A04020102020204" pitchFamily="34" charset="0"/>
+            </a:endParaRPr>
+          </a:p>
+          <a:p>
+            <a:pPr marL="152400" indent="0" algn="l">
+              <a:spcAft>
+                <a:spcPts val="1200"/>
+              </a:spcAft>
+            </a:pPr>
+            <a:r>
+              <a:rPr lang="sv-SE" sz="3600" dirty="0" smtClean="0">
+                <a:solidFill>
+                  <a:schemeClr val="accent4"/>
+                </a:solidFill>
+                <a:latin typeface="Arial Black" panose="020B0A04020102020204" pitchFamily="34" charset="0"/>
+              </a:rPr>
+              <a:t>"</a:t>
+            </a:r>
+            <a:r>
+              <a:rPr lang="sv-SE" sz="3600" dirty="0">
+                <a:solidFill>
+                  <a:schemeClr val="accent4"/>
+                </a:solidFill>
+                <a:latin typeface="Arial Black" panose="020B0A04020102020204" pitchFamily="34" charset="0"/>
+              </a:rPr>
+              <a:t>Lahir Raja mulia!"</a:t>
+            </a:r>
+          </a:p>
+        </p:txBody>
+      </p:sp>
+    </p:spTree>
+    <p:extLst>
+      <p:ext uri="{BB962C8B-B14F-4D97-AF65-F5344CB8AC3E}">
+        <p14:creationId xmlns:p14="http://schemas.microsoft.com/office/powerpoint/2010/main" val="3686982243"/>
+      </p:ext>
+    </p:extLst>
+  </p:cSld>
+  <p:clrMapOvr>
+    <a:masterClrMapping/>
+  </p:clrMapOvr>
+  <p:timing>
+    <p:tnLst>
+      <p:par>
+        <p:cTn id="1" dur="indefinite" restart="never" nodeType="tmRoot"/>
+      </p:par>
+    </p:tnLst>
+  </p:timing>
+</p:sld>
+</file>
+
+<file path=ppt/slides/slide71.xml><?xml version="1.0" encoding="utf-8"?>
+<p:sld xmlns:a="http://schemas.openxmlformats.org/drawingml/2006/main" xmlns:r="http://schemas.openxmlformats.org/officeDocument/2006/relationships" xmlns:p="http://schemas.openxmlformats.org/presentationml/2006/main">
+  <p:cSld>
+    <p:spTree>
+      <p:nvGrpSpPr>
+        <p:cNvPr id="1" name="Shape 828"/>
+        <p:cNvGrpSpPr/>
+        <p:nvPr/>
+      </p:nvGrpSpPr>
+      <p:grpSpPr>
+        <a:xfrm>
+          <a:off x="0" y="0"/>
+          <a:ext cx="0" cy="0"/>
+          <a:chOff x="0" y="0"/>
+          <a:chExt cx="0" cy="0"/>
+        </a:xfrm>
+      </p:grpSpPr>
+      <p:sp>
+        <p:nvSpPr>
+          <p:cNvPr id="7" name="Text Placeholder 1"/>
+          <p:cNvSpPr txBox="1">
+            <a:spLocks/>
+          </p:cNvSpPr>
+          <p:nvPr/>
+        </p:nvSpPr>
+        <p:spPr>
+          <a:xfrm>
+            <a:off x="340243" y="774443"/>
+            <a:ext cx="8559208" cy="3052179"/>
+          </a:xfrm>
+          <a:prstGeom prst="rect">
+            <a:avLst/>
+          </a:prstGeom>
+          <a:noFill/>
+          <a:ln>
+            <a:noFill/>
+          </a:ln>
+        </p:spPr>
+        <p:txBody>
+          <a:bodyPr spcFirstLastPara="1" wrap="square" lIns="91425" tIns="91425" rIns="91425" bIns="91425" anchor="t" anchorCtr="0">
+            <a:noAutofit/>
+          </a:bodyPr>
+          <a:lstStyle>
+            <a:defPPr marR="0" lvl="0" algn="l" rtl="0">
+              <a:lnSpc>
+                <a:spcPct val="100000"/>
+              </a:lnSpc>
+              <a:spcBef>
+                <a:spcPts val="0"/>
+              </a:spcBef>
+              <a:spcAft>
+                <a:spcPts val="0"/>
+              </a:spcAft>
+            </a:defPPr>
+            <a:lvl1pPr marL="457200" marR="0" lvl="0" indent="-323850" algn="ctr" rtl="0">
+              <a:lnSpc>
+                <a:spcPct val="115000"/>
+              </a:lnSpc>
+              <a:spcBef>
+                <a:spcPts val="0"/>
+              </a:spcBef>
+              <a:spcAft>
+                <a:spcPts val="0"/>
+              </a:spcAft>
+              <a:buClr>
+                <a:srgbClr val="FBFBFB"/>
+              </a:buClr>
+              <a:buSzPts val="2000"/>
+              <a:buFont typeface="Holtwood One SC"/>
+              <a:buNone/>
+              <a:defRPr sz="2200" b="0" i="0" u="none" strike="noStrike" cap="none">
+                <a:solidFill>
+                  <a:schemeClr val="dk2"/>
+                </a:solidFill>
+                <a:latin typeface="Fredoka One"/>
+                <a:ea typeface="Fredoka One"/>
+                <a:cs typeface="Fredoka One"/>
+                <a:sym typeface="Fredoka One"/>
+              </a:defRPr>
+            </a:lvl1pPr>
+            <a:lvl2pPr marL="914400" marR="0" lvl="1" indent="-323850" algn="l" rtl="0">
+              <a:lnSpc>
+                <a:spcPct val="115000"/>
+              </a:lnSpc>
+              <a:spcBef>
+                <a:spcPts val="1600"/>
+              </a:spcBef>
+              <a:spcAft>
+                <a:spcPts val="0"/>
+              </a:spcAft>
+              <a:buClr>
+                <a:srgbClr val="FBFBFB"/>
+              </a:buClr>
+              <a:buSzPts val="2000"/>
+              <a:buFont typeface="Holtwood One SC"/>
+              <a:buNone/>
+              <a:defRPr sz="2000" b="0" i="0" u="none" strike="noStrike" cap="none">
+                <a:solidFill>
+                  <a:srgbClr val="FBFBFB"/>
+                </a:solidFill>
+                <a:latin typeface="Holtwood One SC"/>
+                <a:ea typeface="Holtwood One SC"/>
+                <a:cs typeface="Holtwood One SC"/>
+                <a:sym typeface="Holtwood One SC"/>
+              </a:defRPr>
+            </a:lvl2pPr>
+            <a:lvl3pPr marL="1371600" marR="0" lvl="2" indent="-323850" algn="l" rtl="0">
+              <a:lnSpc>
+                <a:spcPct val="115000"/>
+              </a:lnSpc>
+              <a:spcBef>
+                <a:spcPts val="1600"/>
+              </a:spcBef>
+              <a:spcAft>
+                <a:spcPts val="0"/>
+              </a:spcAft>
+              <a:buClr>
+                <a:srgbClr val="FBFBFB"/>
+              </a:buClr>
+              <a:buSzPts val="2000"/>
+              <a:buFont typeface="Holtwood One SC"/>
+              <a:buNone/>
+              <a:defRPr sz="2000" b="0" i="0" u="none" strike="noStrike" cap="none">
+                <a:solidFill>
+                  <a:srgbClr val="FBFBFB"/>
+                </a:solidFill>
+                <a:latin typeface="Holtwood One SC"/>
+                <a:ea typeface="Holtwood One SC"/>
+                <a:cs typeface="Holtwood One SC"/>
+                <a:sym typeface="Holtwood One SC"/>
+              </a:defRPr>
+            </a:lvl3pPr>
+            <a:lvl4pPr marL="1828800" marR="0" lvl="3" indent="-323850" algn="l" rtl="0">
+              <a:lnSpc>
+                <a:spcPct val="115000"/>
+              </a:lnSpc>
+              <a:spcBef>
+                <a:spcPts val="1600"/>
+              </a:spcBef>
+              <a:spcAft>
+                <a:spcPts val="0"/>
+              </a:spcAft>
+              <a:buClr>
+                <a:srgbClr val="FBFBFB"/>
+              </a:buClr>
+              <a:buSzPts val="2000"/>
+              <a:buFont typeface="Holtwood One SC"/>
+              <a:buNone/>
+              <a:defRPr sz="2000" b="0" i="0" u="none" strike="noStrike" cap="none">
+                <a:solidFill>
+                  <a:srgbClr val="FBFBFB"/>
+                </a:solidFill>
+                <a:latin typeface="Holtwood One SC"/>
+                <a:ea typeface="Holtwood One SC"/>
+                <a:cs typeface="Holtwood One SC"/>
+                <a:sym typeface="Holtwood One SC"/>
+              </a:defRPr>
+            </a:lvl4pPr>
+            <a:lvl5pPr marL="2286000" marR="0" lvl="4" indent="-323850" algn="l" rtl="0">
+              <a:lnSpc>
+                <a:spcPct val="115000"/>
+              </a:lnSpc>
+              <a:spcBef>
+                <a:spcPts val="1600"/>
+              </a:spcBef>
+              <a:spcAft>
+                <a:spcPts val="0"/>
+              </a:spcAft>
+              <a:buClr>
+                <a:srgbClr val="FBFBFB"/>
+              </a:buClr>
+              <a:buSzPts val="2000"/>
+              <a:buFont typeface="Holtwood One SC"/>
+              <a:buNone/>
+              <a:defRPr sz="2000" b="0" i="0" u="none" strike="noStrike" cap="none">
+                <a:solidFill>
+                  <a:srgbClr val="FBFBFB"/>
+                </a:solidFill>
+                <a:latin typeface="Holtwood One SC"/>
+                <a:ea typeface="Holtwood One SC"/>
+                <a:cs typeface="Holtwood One SC"/>
+                <a:sym typeface="Holtwood One SC"/>
+              </a:defRPr>
+            </a:lvl5pPr>
+            <a:lvl6pPr marL="2743200" marR="0" lvl="5" indent="-323850" algn="l" rtl="0">
+              <a:lnSpc>
+                <a:spcPct val="115000"/>
+              </a:lnSpc>
+              <a:spcBef>
+                <a:spcPts val="1600"/>
+              </a:spcBef>
+              <a:spcAft>
+                <a:spcPts val="0"/>
+              </a:spcAft>
+              <a:buClr>
+                <a:srgbClr val="FBFBFB"/>
+              </a:buClr>
+              <a:buSzPts val="2000"/>
+              <a:buFont typeface="Holtwood One SC"/>
+              <a:buNone/>
+              <a:defRPr sz="2000" b="0" i="0" u="none" strike="noStrike" cap="none">
+                <a:solidFill>
+                  <a:srgbClr val="FBFBFB"/>
+                </a:solidFill>
+                <a:latin typeface="Holtwood One SC"/>
+                <a:ea typeface="Holtwood One SC"/>
+                <a:cs typeface="Holtwood One SC"/>
+                <a:sym typeface="Holtwood One SC"/>
+              </a:defRPr>
+            </a:lvl6pPr>
+            <a:lvl7pPr marL="3200400" marR="0" lvl="6" indent="-317500" algn="l" rtl="0">
+              <a:lnSpc>
+                <a:spcPct val="115000"/>
+              </a:lnSpc>
+              <a:spcBef>
+                <a:spcPts val="1600"/>
+              </a:spcBef>
+              <a:spcAft>
+                <a:spcPts val="0"/>
+              </a:spcAft>
+              <a:buClr>
+                <a:srgbClr val="FBFBFB"/>
+              </a:buClr>
+              <a:buSzPts val="2000"/>
+              <a:buFont typeface="Holtwood One SC"/>
+              <a:buNone/>
+              <a:defRPr sz="2000" b="0" i="0" u="none" strike="noStrike" cap="none">
+                <a:solidFill>
+                  <a:srgbClr val="FBFBFB"/>
+                </a:solidFill>
+                <a:latin typeface="Holtwood One SC"/>
+                <a:ea typeface="Holtwood One SC"/>
+                <a:cs typeface="Holtwood One SC"/>
+                <a:sym typeface="Holtwood One SC"/>
+              </a:defRPr>
+            </a:lvl7pPr>
+            <a:lvl8pPr marL="3657600" marR="0" lvl="7" indent="-317500" algn="l" rtl="0">
+              <a:lnSpc>
+                <a:spcPct val="115000"/>
+              </a:lnSpc>
+              <a:spcBef>
+                <a:spcPts val="1600"/>
+              </a:spcBef>
+              <a:spcAft>
+                <a:spcPts val="0"/>
+              </a:spcAft>
+              <a:buClr>
+                <a:schemeClr val="dk2"/>
+              </a:buClr>
+              <a:buSzPts val="2000"/>
+              <a:buFont typeface="Holtwood One SC"/>
+              <a:buNone/>
+              <a:defRPr sz="2000" b="0" i="0" u="none" strike="noStrike" cap="none">
+                <a:solidFill>
+                  <a:schemeClr val="dk2"/>
+                </a:solidFill>
+                <a:latin typeface="Holtwood One SC"/>
+                <a:ea typeface="Holtwood One SC"/>
+                <a:cs typeface="Holtwood One SC"/>
+                <a:sym typeface="Holtwood One SC"/>
+              </a:defRPr>
+            </a:lvl8pPr>
+            <a:lvl9pPr marL="4114800" marR="0" lvl="8" indent="-317500" algn="l" rtl="0">
+              <a:lnSpc>
+                <a:spcPct val="115000"/>
+              </a:lnSpc>
+              <a:spcBef>
+                <a:spcPts val="1600"/>
+              </a:spcBef>
+              <a:spcAft>
+                <a:spcPts val="1600"/>
+              </a:spcAft>
+              <a:buClr>
+                <a:schemeClr val="dk2"/>
+              </a:buClr>
+              <a:buSzPts val="2000"/>
+              <a:buFont typeface="Holtwood One SC"/>
+              <a:buNone/>
+              <a:defRPr sz="2000" b="0" i="0" u="none" strike="noStrike" cap="none">
+                <a:solidFill>
+                  <a:schemeClr val="dk2"/>
+                </a:solidFill>
+                <a:latin typeface="Holtwood One SC"/>
+                <a:ea typeface="Holtwood One SC"/>
+                <a:cs typeface="Holtwood One SC"/>
+                <a:sym typeface="Holtwood One SC"/>
+              </a:defRPr>
+            </a:lvl9pPr>
+          </a:lstStyle>
+          <a:p>
+            <a:pPr marL="152400" indent="0" algn="l">
+              <a:spcAft>
+                <a:spcPts val="1200"/>
+              </a:spcAft>
+            </a:pPr>
+            <a:r>
+              <a:rPr lang="pt-BR" sz="3600" dirty="0">
+                <a:solidFill>
+                  <a:schemeClr val="accent4"/>
+                </a:solidFill>
+                <a:latin typeface="Arial Black" panose="020B0A04020102020204" pitchFamily="34" charset="0"/>
+              </a:rPr>
+              <a:t>Raja Damai yang besar, </a:t>
+            </a:r>
+            <a:endParaRPr lang="pt-BR" sz="3600" dirty="0" smtClean="0">
+              <a:solidFill>
+                <a:schemeClr val="accent4"/>
+              </a:solidFill>
+              <a:latin typeface="Arial Black" panose="020B0A04020102020204" pitchFamily="34" charset="0"/>
+            </a:endParaRPr>
+          </a:p>
+          <a:p>
+            <a:pPr marL="152400" indent="0" algn="l">
+              <a:spcAft>
+                <a:spcPts val="1200"/>
+              </a:spcAft>
+            </a:pPr>
+            <a:r>
+              <a:rPr lang="pt-BR" sz="3600" dirty="0" smtClean="0">
+                <a:solidFill>
+                  <a:schemeClr val="accent4"/>
+                </a:solidFill>
+                <a:latin typeface="Arial Black" panose="020B0A04020102020204" pitchFamily="34" charset="0"/>
+              </a:rPr>
+              <a:t>Surya </a:t>
+            </a:r>
+            <a:r>
+              <a:rPr lang="pt-BR" sz="3600" dirty="0">
+                <a:solidFill>
+                  <a:schemeClr val="accent4"/>
+                </a:solidFill>
+                <a:latin typeface="Arial Black" panose="020B0A04020102020204" pitchFamily="34" charset="0"/>
+              </a:rPr>
+              <a:t>Hidup yang benar,</a:t>
+            </a:r>
+          </a:p>
+          <a:p>
+            <a:pPr marL="152400" indent="0" algn="l">
+              <a:spcAft>
+                <a:spcPts val="1200"/>
+              </a:spcAft>
+            </a:pPr>
+            <a:r>
+              <a:rPr lang="pt-BR" sz="3600" dirty="0" smtClean="0">
+                <a:solidFill>
+                  <a:schemeClr val="accent4"/>
+                </a:solidFill>
+                <a:latin typeface="Arial Black" panose="020B0A04020102020204" pitchFamily="34" charset="0"/>
+              </a:rPr>
+              <a:t>menyembuhkan </a:t>
+            </a:r>
+            <a:r>
+              <a:rPr lang="pt-BR" sz="3600" dirty="0">
+                <a:solidFill>
+                  <a:schemeClr val="accent4"/>
+                </a:solidFill>
+                <a:latin typeface="Arial Black" panose="020B0A04020102020204" pitchFamily="34" charset="0"/>
+              </a:rPr>
+              <a:t>dunia </a:t>
+            </a:r>
+            <a:endParaRPr lang="pt-BR" sz="3600" dirty="0" smtClean="0">
+              <a:solidFill>
+                <a:schemeClr val="accent4"/>
+              </a:solidFill>
+              <a:latin typeface="Arial Black" panose="020B0A04020102020204" pitchFamily="34" charset="0"/>
+            </a:endParaRPr>
+          </a:p>
+          <a:p>
+            <a:pPr marL="152400" indent="0" algn="l">
+              <a:spcAft>
+                <a:spcPts val="1200"/>
+              </a:spcAft>
+            </a:pPr>
+            <a:r>
+              <a:rPr lang="pt-BR" sz="3600" dirty="0" smtClean="0">
+                <a:solidFill>
+                  <a:schemeClr val="accent4"/>
+                </a:solidFill>
+                <a:latin typeface="Arial Black" panose="020B0A04020102020204" pitchFamily="34" charset="0"/>
+              </a:rPr>
+              <a:t>di </a:t>
+            </a:r>
+            <a:r>
+              <a:rPr lang="pt-BR" sz="3600" dirty="0">
+                <a:solidFill>
+                  <a:schemeClr val="accent4"/>
+                </a:solidFill>
+                <a:latin typeface="Arial Black" panose="020B0A04020102020204" pitchFamily="34" charset="0"/>
+              </a:rPr>
+              <a:t>naungan sayapNya,</a:t>
+            </a:r>
+          </a:p>
+        </p:txBody>
+      </p:sp>
+    </p:spTree>
+    <p:extLst>
+      <p:ext uri="{BB962C8B-B14F-4D97-AF65-F5344CB8AC3E}">
+        <p14:creationId xmlns:p14="http://schemas.microsoft.com/office/powerpoint/2010/main" val="1493349074"/>
+      </p:ext>
+    </p:extLst>
+  </p:cSld>
+  <p:clrMapOvr>
+    <a:masterClrMapping/>
+  </p:clrMapOvr>
+  <p:timing>
+    <p:tnLst>
+      <p:par>
+        <p:cTn id="1" dur="indefinite" restart="never" nodeType="tmRoot"/>
+      </p:par>
+    </p:tnLst>
+  </p:timing>
+</p:sld>
+</file>
+
+<file path=ppt/slides/slide72.xml><?xml version="1.0" encoding="utf-8"?>
+<p:sld xmlns:a="http://schemas.openxmlformats.org/drawingml/2006/main" xmlns:r="http://schemas.openxmlformats.org/officeDocument/2006/relationships" xmlns:p="http://schemas.openxmlformats.org/presentationml/2006/main">
+  <p:cSld>
+    <p:spTree>
+      <p:nvGrpSpPr>
+        <p:cNvPr id="1" name="Shape 828"/>
+        <p:cNvGrpSpPr/>
+        <p:nvPr/>
+      </p:nvGrpSpPr>
+      <p:grpSpPr>
+        <a:xfrm>
+          <a:off x="0" y="0"/>
+          <a:ext cx="0" cy="0"/>
+          <a:chOff x="0" y="0"/>
+          <a:chExt cx="0" cy="0"/>
+        </a:xfrm>
+      </p:grpSpPr>
+      <p:sp>
+        <p:nvSpPr>
+          <p:cNvPr id="7" name="Text Placeholder 1"/>
+          <p:cNvSpPr txBox="1">
+            <a:spLocks/>
+          </p:cNvSpPr>
+          <p:nvPr/>
+        </p:nvSpPr>
+        <p:spPr>
+          <a:xfrm>
+            <a:off x="414671" y="327877"/>
+            <a:ext cx="8612371" cy="3052179"/>
+          </a:xfrm>
+          <a:prstGeom prst="rect">
+            <a:avLst/>
+          </a:prstGeom>
+          <a:noFill/>
+          <a:ln>
+            <a:noFill/>
+          </a:ln>
+        </p:spPr>
+        <p:txBody>
+          <a:bodyPr spcFirstLastPara="1" wrap="square" lIns="91425" tIns="91425" rIns="91425" bIns="91425" anchor="t" anchorCtr="0">
+            <a:noAutofit/>
+          </a:bodyPr>
+          <a:lstStyle>
+            <a:defPPr marR="0" lvl="0" algn="l" rtl="0">
+              <a:lnSpc>
+                <a:spcPct val="100000"/>
+              </a:lnSpc>
+              <a:spcBef>
+                <a:spcPts val="0"/>
+              </a:spcBef>
+              <a:spcAft>
+                <a:spcPts val="0"/>
+              </a:spcAft>
+            </a:defPPr>
+            <a:lvl1pPr marL="457200" marR="0" lvl="0" indent="-323850" algn="ctr" rtl="0">
+              <a:lnSpc>
+                <a:spcPct val="115000"/>
+              </a:lnSpc>
+              <a:spcBef>
+                <a:spcPts val="0"/>
+              </a:spcBef>
+              <a:spcAft>
+                <a:spcPts val="0"/>
+              </a:spcAft>
+              <a:buClr>
+                <a:srgbClr val="FBFBFB"/>
+              </a:buClr>
+              <a:buSzPts val="2000"/>
+              <a:buFont typeface="Holtwood One SC"/>
+              <a:buNone/>
+              <a:defRPr sz="2200" b="0" i="0" u="none" strike="noStrike" cap="none">
+                <a:solidFill>
+                  <a:schemeClr val="dk2"/>
+                </a:solidFill>
+                <a:latin typeface="Fredoka One"/>
+                <a:ea typeface="Fredoka One"/>
+                <a:cs typeface="Fredoka One"/>
+                <a:sym typeface="Fredoka One"/>
+              </a:defRPr>
+            </a:lvl1pPr>
+            <a:lvl2pPr marL="914400" marR="0" lvl="1" indent="-323850" algn="l" rtl="0">
+              <a:lnSpc>
+                <a:spcPct val="115000"/>
+              </a:lnSpc>
+              <a:spcBef>
+                <a:spcPts val="1600"/>
+              </a:spcBef>
+              <a:spcAft>
+                <a:spcPts val="0"/>
+              </a:spcAft>
+              <a:buClr>
+                <a:srgbClr val="FBFBFB"/>
+              </a:buClr>
+              <a:buSzPts val="2000"/>
+              <a:buFont typeface="Holtwood One SC"/>
+              <a:buNone/>
+              <a:defRPr sz="2000" b="0" i="0" u="none" strike="noStrike" cap="none">
+                <a:solidFill>
+                  <a:srgbClr val="FBFBFB"/>
+                </a:solidFill>
+                <a:latin typeface="Holtwood One SC"/>
+                <a:ea typeface="Holtwood One SC"/>
+                <a:cs typeface="Holtwood One SC"/>
+                <a:sym typeface="Holtwood One SC"/>
+              </a:defRPr>
+            </a:lvl2pPr>
+            <a:lvl3pPr marL="1371600" marR="0" lvl="2" indent="-323850" algn="l" rtl="0">
+              <a:lnSpc>
+                <a:spcPct val="115000"/>
+              </a:lnSpc>
+              <a:spcBef>
+                <a:spcPts val="1600"/>
+              </a:spcBef>
+              <a:spcAft>
+                <a:spcPts val="0"/>
+              </a:spcAft>
+              <a:buClr>
+                <a:srgbClr val="FBFBFB"/>
+              </a:buClr>
+              <a:buSzPts val="2000"/>
+              <a:buFont typeface="Holtwood One SC"/>
+              <a:buNone/>
+              <a:defRPr sz="2000" b="0" i="0" u="none" strike="noStrike" cap="none">
+                <a:solidFill>
+                  <a:srgbClr val="FBFBFB"/>
+                </a:solidFill>
+                <a:latin typeface="Holtwood One SC"/>
+                <a:ea typeface="Holtwood One SC"/>
+                <a:cs typeface="Holtwood One SC"/>
+                <a:sym typeface="Holtwood One SC"/>
+              </a:defRPr>
+            </a:lvl3pPr>
+            <a:lvl4pPr marL="1828800" marR="0" lvl="3" indent="-323850" algn="l" rtl="0">
+              <a:lnSpc>
+                <a:spcPct val="115000"/>
+              </a:lnSpc>
+              <a:spcBef>
+                <a:spcPts val="1600"/>
+              </a:spcBef>
+              <a:spcAft>
+                <a:spcPts val="0"/>
+              </a:spcAft>
+              <a:buClr>
+                <a:srgbClr val="FBFBFB"/>
+              </a:buClr>
+              <a:buSzPts val="2000"/>
+              <a:buFont typeface="Holtwood One SC"/>
+              <a:buNone/>
+              <a:defRPr sz="2000" b="0" i="0" u="none" strike="noStrike" cap="none">
+                <a:solidFill>
+                  <a:srgbClr val="FBFBFB"/>
+                </a:solidFill>
+                <a:latin typeface="Holtwood One SC"/>
+                <a:ea typeface="Holtwood One SC"/>
+                <a:cs typeface="Holtwood One SC"/>
+                <a:sym typeface="Holtwood One SC"/>
+              </a:defRPr>
+            </a:lvl4pPr>
+            <a:lvl5pPr marL="2286000" marR="0" lvl="4" indent="-323850" algn="l" rtl="0">
+              <a:lnSpc>
+                <a:spcPct val="115000"/>
+              </a:lnSpc>
+              <a:spcBef>
+                <a:spcPts val="1600"/>
+              </a:spcBef>
+              <a:spcAft>
+                <a:spcPts val="0"/>
+              </a:spcAft>
+              <a:buClr>
+                <a:srgbClr val="FBFBFB"/>
+              </a:buClr>
+              <a:buSzPts val="2000"/>
+              <a:buFont typeface="Holtwood One SC"/>
+              <a:buNone/>
+              <a:defRPr sz="2000" b="0" i="0" u="none" strike="noStrike" cap="none">
+                <a:solidFill>
+                  <a:srgbClr val="FBFBFB"/>
+                </a:solidFill>
+                <a:latin typeface="Holtwood One SC"/>
+                <a:ea typeface="Holtwood One SC"/>
+                <a:cs typeface="Holtwood One SC"/>
+                <a:sym typeface="Holtwood One SC"/>
+              </a:defRPr>
+            </a:lvl5pPr>
+            <a:lvl6pPr marL="2743200" marR="0" lvl="5" indent="-323850" algn="l" rtl="0">
+              <a:lnSpc>
+                <a:spcPct val="115000"/>
+              </a:lnSpc>
+              <a:spcBef>
+                <a:spcPts val="1600"/>
+              </a:spcBef>
+              <a:spcAft>
+                <a:spcPts val="0"/>
+              </a:spcAft>
+              <a:buClr>
+                <a:srgbClr val="FBFBFB"/>
+              </a:buClr>
+              <a:buSzPts val="2000"/>
+              <a:buFont typeface="Holtwood One SC"/>
+              <a:buNone/>
+              <a:defRPr sz="2000" b="0" i="0" u="none" strike="noStrike" cap="none">
+                <a:solidFill>
+                  <a:srgbClr val="FBFBFB"/>
+                </a:solidFill>
+                <a:latin typeface="Holtwood One SC"/>
+                <a:ea typeface="Holtwood One SC"/>
+                <a:cs typeface="Holtwood One SC"/>
+                <a:sym typeface="Holtwood One SC"/>
+              </a:defRPr>
+            </a:lvl6pPr>
+            <a:lvl7pPr marL="3200400" marR="0" lvl="6" indent="-317500" algn="l" rtl="0">
+              <a:lnSpc>
+                <a:spcPct val="115000"/>
+              </a:lnSpc>
+              <a:spcBef>
+                <a:spcPts val="1600"/>
+              </a:spcBef>
+              <a:spcAft>
+                <a:spcPts val="0"/>
+              </a:spcAft>
+              <a:buClr>
+                <a:srgbClr val="FBFBFB"/>
+              </a:buClr>
+              <a:buSzPts val="2000"/>
+              <a:buFont typeface="Holtwood One SC"/>
+              <a:buNone/>
+              <a:defRPr sz="2000" b="0" i="0" u="none" strike="noStrike" cap="none">
+                <a:solidFill>
+                  <a:srgbClr val="FBFBFB"/>
+                </a:solidFill>
+                <a:latin typeface="Holtwood One SC"/>
+                <a:ea typeface="Holtwood One SC"/>
+                <a:cs typeface="Holtwood One SC"/>
+                <a:sym typeface="Holtwood One SC"/>
+              </a:defRPr>
+            </a:lvl7pPr>
+            <a:lvl8pPr marL="3657600" marR="0" lvl="7" indent="-317500" algn="l" rtl="0">
+              <a:lnSpc>
+                <a:spcPct val="115000"/>
+              </a:lnSpc>
+              <a:spcBef>
+                <a:spcPts val="1600"/>
+              </a:spcBef>
+              <a:spcAft>
+                <a:spcPts val="0"/>
+              </a:spcAft>
+              <a:buClr>
+                <a:schemeClr val="dk2"/>
+              </a:buClr>
+              <a:buSzPts val="2000"/>
+              <a:buFont typeface="Holtwood One SC"/>
+              <a:buNone/>
+              <a:defRPr sz="2000" b="0" i="0" u="none" strike="noStrike" cap="none">
+                <a:solidFill>
+                  <a:schemeClr val="dk2"/>
+                </a:solidFill>
+                <a:latin typeface="Holtwood One SC"/>
+                <a:ea typeface="Holtwood One SC"/>
+                <a:cs typeface="Holtwood One SC"/>
+                <a:sym typeface="Holtwood One SC"/>
+              </a:defRPr>
+            </a:lvl8pPr>
+            <a:lvl9pPr marL="4114800" marR="0" lvl="8" indent="-317500" algn="l" rtl="0">
+              <a:lnSpc>
+                <a:spcPct val="115000"/>
+              </a:lnSpc>
+              <a:spcBef>
+                <a:spcPts val="1600"/>
+              </a:spcBef>
+              <a:spcAft>
+                <a:spcPts val="1600"/>
+              </a:spcAft>
+              <a:buClr>
+                <a:schemeClr val="dk2"/>
+              </a:buClr>
+              <a:buSzPts val="2000"/>
+              <a:buFont typeface="Holtwood One SC"/>
+              <a:buNone/>
+              <a:defRPr sz="2000" b="0" i="0" u="none" strike="noStrike" cap="none">
+                <a:solidFill>
+                  <a:schemeClr val="dk2"/>
+                </a:solidFill>
+                <a:latin typeface="Holtwood One SC"/>
+                <a:ea typeface="Holtwood One SC"/>
+                <a:cs typeface="Holtwood One SC"/>
+                <a:sym typeface="Holtwood One SC"/>
+              </a:defRPr>
+            </a:lvl9pPr>
+          </a:lstStyle>
+          <a:p>
+            <a:pPr marL="152400" indent="0" algn="l">
+              <a:spcAft>
+                <a:spcPts val="1200"/>
+              </a:spcAft>
+            </a:pPr>
+            <a:r>
+              <a:rPr lang="sv-SE" sz="3600" dirty="0" smtClean="0">
+                <a:solidFill>
+                  <a:schemeClr val="accent4"/>
+                </a:solidFill>
+                <a:latin typeface="Arial Black" panose="020B0A04020102020204" pitchFamily="34" charset="0"/>
+              </a:rPr>
+              <a:t>Tak </a:t>
+            </a:r>
+            <a:r>
+              <a:rPr lang="sv-SE" sz="3600" dirty="0">
+                <a:solidFill>
+                  <a:schemeClr val="accent4"/>
+                </a:solidFill>
+                <a:latin typeface="Arial Black" panose="020B0A04020102020204" pitchFamily="34" charset="0"/>
+              </a:rPr>
+              <a:t>memandang diriNya, </a:t>
+            </a:r>
+            <a:endParaRPr lang="sv-SE" sz="3600" dirty="0" smtClean="0">
+              <a:solidFill>
+                <a:schemeClr val="accent4"/>
+              </a:solidFill>
+              <a:latin typeface="Arial Black" panose="020B0A04020102020204" pitchFamily="34" charset="0"/>
+            </a:endParaRPr>
+          </a:p>
+          <a:p>
+            <a:pPr marL="152400" indent="0" algn="l">
+              <a:spcAft>
+                <a:spcPts val="1200"/>
+              </a:spcAft>
+            </a:pPr>
+            <a:r>
+              <a:rPr lang="sv-SE" sz="3600" dirty="0" smtClean="0">
+                <a:solidFill>
+                  <a:schemeClr val="accent4"/>
+                </a:solidFill>
+                <a:latin typeface="Arial Black" panose="020B0A04020102020204" pitchFamily="34" charset="0"/>
+              </a:rPr>
+              <a:t>mautpun </a:t>
+            </a:r>
+            <a:r>
+              <a:rPr lang="sv-SE" sz="3600" dirty="0">
+                <a:solidFill>
+                  <a:schemeClr val="accent4"/>
+                </a:solidFill>
+                <a:latin typeface="Arial Black" panose="020B0A04020102020204" pitchFamily="34" charset="0"/>
+              </a:rPr>
+              <a:t>dit'rimaNya,</a:t>
+            </a:r>
+          </a:p>
+          <a:p>
+            <a:pPr marL="152400" indent="0" algn="l">
+              <a:spcAft>
+                <a:spcPts val="1200"/>
+              </a:spcAft>
+            </a:pPr>
+            <a:r>
+              <a:rPr lang="sv-SE" sz="3600" dirty="0" smtClean="0">
+                <a:solidFill>
+                  <a:schemeClr val="accent4"/>
+                </a:solidFill>
+                <a:latin typeface="Arial Black" panose="020B0A04020102020204" pitchFamily="34" charset="0"/>
+              </a:rPr>
+              <a:t>lahir </a:t>
+            </a:r>
+            <a:r>
+              <a:rPr lang="sv-SE" sz="3600" dirty="0">
+                <a:solidFill>
+                  <a:schemeClr val="accent4"/>
+                </a:solidFill>
+                <a:latin typeface="Arial Black" panose="020B0A04020102020204" pitchFamily="34" charset="0"/>
+              </a:rPr>
+              <a:t>untuk memberi </a:t>
+            </a:r>
+            <a:endParaRPr lang="sv-SE" sz="3600" dirty="0" smtClean="0">
+              <a:solidFill>
+                <a:schemeClr val="accent4"/>
+              </a:solidFill>
+              <a:latin typeface="Arial Black" panose="020B0A04020102020204" pitchFamily="34" charset="0"/>
+            </a:endParaRPr>
+          </a:p>
+          <a:p>
+            <a:pPr marL="152400" indent="0" algn="l">
+              <a:spcAft>
+                <a:spcPts val="1200"/>
+              </a:spcAft>
+            </a:pPr>
+            <a:r>
+              <a:rPr lang="sv-SE" sz="3600" dirty="0" smtClean="0">
+                <a:solidFill>
+                  <a:schemeClr val="accent4"/>
+                </a:solidFill>
+                <a:latin typeface="Arial Black" panose="020B0A04020102020204" pitchFamily="34" charset="0"/>
+              </a:rPr>
+              <a:t>hidup </a:t>
+            </a:r>
+            <a:r>
+              <a:rPr lang="sv-SE" sz="3600" dirty="0">
+                <a:solidFill>
+                  <a:schemeClr val="accent4"/>
+                </a:solidFill>
+                <a:latin typeface="Arial Black" panose="020B0A04020102020204" pitchFamily="34" charset="0"/>
+              </a:rPr>
+              <a:t>baru abadi !</a:t>
+            </a:r>
+          </a:p>
+          <a:p>
+            <a:pPr marL="152400" indent="0" algn="l">
+              <a:spcAft>
+                <a:spcPts val="1200"/>
+              </a:spcAft>
+            </a:pPr>
+            <a:r>
+              <a:rPr lang="sv-SE" sz="3600" dirty="0" smtClean="0">
+                <a:solidFill>
+                  <a:schemeClr val="accent4"/>
+                </a:solidFill>
+                <a:latin typeface="Arial Black" panose="020B0A04020102020204" pitchFamily="34" charset="0"/>
+              </a:rPr>
+              <a:t>Gita </a:t>
+            </a:r>
+            <a:r>
+              <a:rPr lang="sv-SE" sz="3600" dirty="0">
+                <a:solidFill>
+                  <a:schemeClr val="accent4"/>
+                </a:solidFill>
+                <a:latin typeface="Arial Black" panose="020B0A04020102020204" pitchFamily="34" charset="0"/>
+              </a:rPr>
+              <a:t>surga bergema, </a:t>
+            </a:r>
+            <a:endParaRPr lang="sv-SE" sz="3600" dirty="0" smtClean="0">
+              <a:solidFill>
+                <a:schemeClr val="accent4"/>
+              </a:solidFill>
+              <a:latin typeface="Arial Black" panose="020B0A04020102020204" pitchFamily="34" charset="0"/>
+            </a:endParaRPr>
+          </a:p>
+          <a:p>
+            <a:pPr marL="152400" indent="0" algn="l">
+              <a:spcAft>
+                <a:spcPts val="1200"/>
+              </a:spcAft>
+            </a:pPr>
+            <a:r>
+              <a:rPr lang="sv-SE" sz="3600" dirty="0" smtClean="0">
+                <a:solidFill>
+                  <a:schemeClr val="accent4"/>
+                </a:solidFill>
+                <a:latin typeface="Arial Black" panose="020B0A04020102020204" pitchFamily="34" charset="0"/>
+              </a:rPr>
+              <a:t>"</a:t>
+            </a:r>
+            <a:r>
+              <a:rPr lang="sv-SE" sz="3600" dirty="0">
+                <a:solidFill>
+                  <a:schemeClr val="accent4"/>
+                </a:solidFill>
+                <a:latin typeface="Arial Black" panose="020B0A04020102020204" pitchFamily="34" charset="0"/>
+              </a:rPr>
+              <a:t>Lahir Raja mulia!"</a:t>
+            </a:r>
+          </a:p>
+        </p:txBody>
+      </p:sp>
+    </p:spTree>
+    <p:extLst>
+      <p:ext uri="{BB962C8B-B14F-4D97-AF65-F5344CB8AC3E}">
+        <p14:creationId xmlns:p14="http://schemas.microsoft.com/office/powerpoint/2010/main" val="307359229"/>
       </p:ext>
     </p:extLst>
   </p:cSld>
